--- a/Slides/24. Gerador de Analisador Sintático.pptx
+++ b/Slides/24. Gerador de Analisador Sintático.pptx
@@ -5,35 +5,36 @@
     <p:sldMasterId id="2147483648" r:id="rId4"/>
   </p:sldMasterIdLst>
   <p:notesMasterIdLst>
-    <p:notesMasterId r:id="rId23"/>
+    <p:notesMasterId r:id="rId24"/>
   </p:notesMasterIdLst>
   <p:handoutMasterIdLst>
-    <p:handoutMasterId r:id="rId24"/>
+    <p:handoutMasterId r:id="rId25"/>
   </p:handoutMasterIdLst>
   <p:sldIdLst>
     <p:sldId id="265" r:id="rId5"/>
     <p:sldId id="289" r:id="rId6"/>
-    <p:sldId id="290" r:id="rId7"/>
-    <p:sldId id="292" r:id="rId8"/>
-    <p:sldId id="299" r:id="rId9"/>
-    <p:sldId id="293" r:id="rId10"/>
-    <p:sldId id="296" r:id="rId11"/>
-    <p:sldId id="300" r:id="rId12"/>
-    <p:sldId id="297" r:id="rId13"/>
-    <p:sldId id="298" r:id="rId14"/>
-    <p:sldId id="301" r:id="rId15"/>
-    <p:sldId id="302" r:id="rId16"/>
-    <p:sldId id="303" r:id="rId17"/>
-    <p:sldId id="304" r:id="rId18"/>
-    <p:sldId id="305" r:id="rId19"/>
-    <p:sldId id="306" r:id="rId20"/>
-    <p:sldId id="307" r:id="rId21"/>
-    <p:sldId id="308" r:id="rId22"/>
+    <p:sldId id="309" r:id="rId7"/>
+    <p:sldId id="290" r:id="rId8"/>
+    <p:sldId id="292" r:id="rId9"/>
+    <p:sldId id="299" r:id="rId10"/>
+    <p:sldId id="293" r:id="rId11"/>
+    <p:sldId id="296" r:id="rId12"/>
+    <p:sldId id="300" r:id="rId13"/>
+    <p:sldId id="297" r:id="rId14"/>
+    <p:sldId id="298" r:id="rId15"/>
+    <p:sldId id="301" r:id="rId16"/>
+    <p:sldId id="302" r:id="rId17"/>
+    <p:sldId id="303" r:id="rId18"/>
+    <p:sldId id="304" r:id="rId19"/>
+    <p:sldId id="305" r:id="rId20"/>
+    <p:sldId id="306" r:id="rId21"/>
+    <p:sldId id="307" r:id="rId22"/>
+    <p:sldId id="308" r:id="rId23"/>
   </p:sldIdLst>
   <p:sldSz cx="12188825" cy="6858000"/>
   <p:notesSz cx="6858000" cy="9144000"/>
   <p:custDataLst>
-    <p:tags r:id="rId25"/>
+    <p:tags r:id="rId26"/>
   </p:custDataLst>
   <p:defaultTextStyle>
     <a:defPPr rtl="0">
@@ -155,7 +156,7 @@
 <file path=ppt/revisionInfo.xml><?xml version="1.0" encoding="utf-8"?>
 <p1510:revInfo xmlns:a="http://schemas.openxmlformats.org/drawingml/2006/main" xmlns:r="http://schemas.openxmlformats.org/officeDocument/2006/relationships" xmlns:p1510="http://schemas.microsoft.com/office/powerpoint/2015/10/main">
   <p1510:revLst>
-    <p1510:client id="{1FB242D7-498C-4525-B953-1329DB2C5A18}" v="1" dt="2020-01-27T17:30:15.195"/>
+    <p1510:client id="{E9E8B22F-C34B-4CBD-9E97-3D965916FE8B}" v="2" dt="2021-05-24T21:46:25.403"/>
   </p1510:revLst>
 </p1510:revInfo>
 </file>
@@ -163,10 +164,144 @@
 <file path=ppt/changesInfos/changesInfo1.xml><?xml version="1.0" encoding="utf-8"?>
 <pc:chgInfo xmlns:a="http://schemas.openxmlformats.org/drawingml/2006/main" xmlns:r="http://schemas.openxmlformats.org/officeDocument/2006/relationships" xmlns:ac="http://schemas.microsoft.com/office/drawing/2013/main/command" xmlns:pc="http://schemas.microsoft.com/office/powerpoint/2013/main/command">
   <pc:docChgLst>
-    <pc:chgData name="Judson Santiago" userId="ebb108da2f256286" providerId="LiveId" clId="{EBB06FF1-4746-41C2-8910-79A2B59A2AC0}"/>
+    <pc:chgData name="Judson Santiago" userId="ebb108da2f256286" providerId="LiveId" clId="{02E57C05-BB6E-4086-ABBB-3CDED5EA5BDB}"/>
+    <pc:docChg chg="modSld">
+      <pc:chgData name="Judson Santiago" userId="ebb108da2f256286" providerId="LiveId" clId="{02E57C05-BB6E-4086-ABBB-3CDED5EA5BDB}" dt="2019-08-05T16:55:19.111" v="3" actId="207"/>
+      <pc:docMkLst>
+        <pc:docMk/>
+      </pc:docMkLst>
+      <pc:sldChg chg="modSp">
+        <pc:chgData name="Judson Santiago" userId="ebb108da2f256286" providerId="LiveId" clId="{02E57C05-BB6E-4086-ABBB-3CDED5EA5BDB}" dt="2019-08-05T16:55:19.111" v="3" actId="207"/>
+        <pc:sldMkLst>
+          <pc:docMk/>
+          <pc:sldMk cId="889496560" sldId="299"/>
+        </pc:sldMkLst>
+        <pc:spChg chg="mod">
+          <ac:chgData name="Judson Santiago" userId="ebb108da2f256286" providerId="LiveId" clId="{02E57C05-BB6E-4086-ABBB-3CDED5EA5BDB}" dt="2019-08-05T16:55:12.376" v="1" actId="207"/>
+          <ac:spMkLst>
+            <pc:docMk/>
+            <pc:sldMk cId="889496560" sldId="299"/>
+            <ac:spMk id="3" creationId="{45FE0B4F-99CC-4056-AEAD-CAC2AA734B7E}"/>
+          </ac:spMkLst>
+        </pc:spChg>
+        <pc:spChg chg="mod">
+          <ac:chgData name="Judson Santiago" userId="ebb108da2f256286" providerId="LiveId" clId="{02E57C05-BB6E-4086-ABBB-3CDED5EA5BDB}" dt="2019-08-05T16:55:19.111" v="3" actId="207"/>
+          <ac:spMkLst>
+            <pc:docMk/>
+            <pc:sldMk cId="889496560" sldId="299"/>
+            <ac:spMk id="4" creationId="{D09B878C-E6C6-4677-9A67-C84AE3AF5666}"/>
+          </ac:spMkLst>
+        </pc:spChg>
+      </pc:sldChg>
+    </pc:docChg>
   </pc:docChgLst>
   <pc:docChgLst>
-    <pc:chgData name="Judson Santiago" userId="ebb108da2f256286" providerId="LiveId" clId="{BA9FBE39-6D32-4269-A232-E42251F42443}"/>
+    <pc:chgData name="Judson Santiago" userId="ebb108da2f256286" providerId="LiveId" clId="{E9E8B22F-C34B-4CBD-9E97-3D965916FE8B}"/>
+    <pc:docChg chg="undo custSel addSld modSld">
+      <pc:chgData name="Judson Santiago" userId="ebb108da2f256286" providerId="LiveId" clId="{E9E8B22F-C34B-4CBD-9E97-3D965916FE8B}" dt="2021-05-24T22:03:43.418" v="234" actId="2711"/>
+      <pc:docMkLst>
+        <pc:docMk/>
+      </pc:docMkLst>
+      <pc:sldChg chg="modSp mod modNotesTx">
+        <pc:chgData name="Judson Santiago" userId="ebb108da2f256286" providerId="LiveId" clId="{E9E8B22F-C34B-4CBD-9E97-3D965916FE8B}" dt="2021-05-24T21:26:50.757" v="198" actId="20577"/>
+        <pc:sldMkLst>
+          <pc:docMk/>
+          <pc:sldMk cId="3501861861" sldId="289"/>
+        </pc:sldMkLst>
+        <pc:spChg chg="mod">
+          <ac:chgData name="Judson Santiago" userId="ebb108da2f256286" providerId="LiveId" clId="{E9E8B22F-C34B-4CBD-9E97-3D965916FE8B}" dt="2021-05-24T21:26:50.757" v="198" actId="20577"/>
+          <ac:spMkLst>
+            <pc:docMk/>
+            <pc:sldMk cId="3501861861" sldId="289"/>
+            <ac:spMk id="3" creationId="{E35E1823-2E88-4E53-B709-4F7B8EE2F069}"/>
+          </ac:spMkLst>
+        </pc:spChg>
+      </pc:sldChg>
+      <pc:sldChg chg="modSp mod">
+        <pc:chgData name="Judson Santiago" userId="ebb108da2f256286" providerId="LiveId" clId="{E9E8B22F-C34B-4CBD-9E97-3D965916FE8B}" dt="2021-05-24T21:29:25.064" v="201" actId="207"/>
+        <pc:sldMkLst>
+          <pc:docMk/>
+          <pc:sldMk cId="3752612552" sldId="292"/>
+        </pc:sldMkLst>
+        <pc:graphicFrameChg chg="modGraphic">
+          <ac:chgData name="Judson Santiago" userId="ebb108da2f256286" providerId="LiveId" clId="{E9E8B22F-C34B-4CBD-9E97-3D965916FE8B}" dt="2021-05-24T21:29:25.064" v="201" actId="207"/>
+          <ac:graphicFrameMkLst>
+            <pc:docMk/>
+            <pc:sldMk cId="3752612552" sldId="292"/>
+            <ac:graphicFrameMk id="5" creationId="{47C34552-ED45-4F83-8C54-DCE66089B0D0}"/>
+          </ac:graphicFrameMkLst>
+        </pc:graphicFrameChg>
+      </pc:sldChg>
+      <pc:sldChg chg="modSp mod">
+        <pc:chgData name="Judson Santiago" userId="ebb108da2f256286" providerId="LiveId" clId="{E9E8B22F-C34B-4CBD-9E97-3D965916FE8B}" dt="2021-05-24T21:46:18.022" v="202" actId="114"/>
+        <pc:sldMkLst>
+          <pc:docMk/>
+          <pc:sldMk cId="2352133120" sldId="301"/>
+        </pc:sldMkLst>
+        <pc:spChg chg="mod">
+          <ac:chgData name="Judson Santiago" userId="ebb108da2f256286" providerId="LiveId" clId="{E9E8B22F-C34B-4CBD-9E97-3D965916FE8B}" dt="2021-05-24T21:46:18.022" v="202" actId="114"/>
+          <ac:spMkLst>
+            <pc:docMk/>
+            <pc:sldMk cId="2352133120" sldId="301"/>
+            <ac:spMk id="3" creationId="{04B54AEB-42A5-4545-AD02-E612360A0DE4}"/>
+          </ac:spMkLst>
+        </pc:spChg>
+      </pc:sldChg>
+      <pc:sldChg chg="addSp modSp mod">
+        <pc:chgData name="Judson Santiago" userId="ebb108da2f256286" providerId="LiveId" clId="{E9E8B22F-C34B-4CBD-9E97-3D965916FE8B}" dt="2021-05-24T22:03:43.418" v="234" actId="2711"/>
+        <pc:sldMkLst>
+          <pc:docMk/>
+          <pc:sldMk cId="3181366268" sldId="307"/>
+        </pc:sldMkLst>
+        <pc:spChg chg="mod">
+          <ac:chgData name="Judson Santiago" userId="ebb108da2f256286" providerId="LiveId" clId="{E9E8B22F-C34B-4CBD-9E97-3D965916FE8B}" dt="2021-05-24T22:03:43.418" v="234" actId="2711"/>
+          <ac:spMkLst>
+            <pc:docMk/>
+            <pc:sldMk cId="3181366268" sldId="307"/>
+            <ac:spMk id="3" creationId="{89F8F963-31D4-4E34-A078-8CEC564ABD3A}"/>
+          </ac:spMkLst>
+        </pc:spChg>
+        <pc:spChg chg="mod">
+          <ac:chgData name="Judson Santiago" userId="ebb108da2f256286" providerId="LiveId" clId="{E9E8B22F-C34B-4CBD-9E97-3D965916FE8B}" dt="2021-05-24T22:01:44.955" v="215" actId="1076"/>
+          <ac:spMkLst>
+            <pc:docMk/>
+            <pc:sldMk cId="3181366268" sldId="307"/>
+            <ac:spMk id="4" creationId="{D8D6EFF5-8530-4977-9012-2E573F351F12}"/>
+          </ac:spMkLst>
+        </pc:spChg>
+        <pc:spChg chg="mod">
+          <ac:chgData name="Judson Santiago" userId="ebb108da2f256286" providerId="LiveId" clId="{E9E8B22F-C34B-4CBD-9E97-3D965916FE8B}" dt="2021-05-24T22:01:30.153" v="212" actId="1076"/>
+          <ac:spMkLst>
+            <pc:docMk/>
+            <pc:sldMk cId="3181366268" sldId="307"/>
+            <ac:spMk id="5" creationId="{A90F02DA-EC3C-4667-8E9E-CD09BE8E2A69}"/>
+          </ac:spMkLst>
+        </pc:spChg>
+        <pc:spChg chg="add mod">
+          <ac:chgData name="Judson Santiago" userId="ebb108da2f256286" providerId="LiveId" clId="{E9E8B22F-C34B-4CBD-9E97-3D965916FE8B}" dt="2021-05-24T22:02:26.475" v="233" actId="6549"/>
+          <ac:spMkLst>
+            <pc:docMk/>
+            <pc:sldMk cId="3181366268" sldId="307"/>
+            <ac:spMk id="12" creationId="{51D97CEE-2153-4D46-ADE4-402418333116}"/>
+          </ac:spMkLst>
+        </pc:spChg>
+      </pc:sldChg>
+      <pc:sldChg chg="modSp add mod modNotesTx">
+        <pc:chgData name="Judson Santiago" userId="ebb108da2f256286" providerId="LiveId" clId="{E9E8B22F-C34B-4CBD-9E97-3D965916FE8B}" dt="2021-05-24T21:27:34.369" v="200" actId="6549"/>
+        <pc:sldMkLst>
+          <pc:docMk/>
+          <pc:sldMk cId="3671751087" sldId="309"/>
+        </pc:sldMkLst>
+        <pc:spChg chg="mod">
+          <ac:chgData name="Judson Santiago" userId="ebb108da2f256286" providerId="LiveId" clId="{E9E8B22F-C34B-4CBD-9E97-3D965916FE8B}" dt="2021-05-24T21:27:00.263" v="199" actId="207"/>
+          <ac:spMkLst>
+            <pc:docMk/>
+            <pc:sldMk cId="3671751087" sldId="309"/>
+            <ac:spMk id="3" creationId="{E35E1823-2E88-4E53-B709-4F7B8EE2F069}"/>
+          </ac:spMkLst>
+        </pc:spChg>
+      </pc:sldChg>
+    </pc:docChg>
   </pc:docChgLst>
   <pc:docChgLst>
     <pc:chgData name="Judson Santiago" userId="ebb108da2f256286" providerId="LiveId" clId="{1FB242D7-498C-4525-B953-1329DB2C5A18}"/>
@@ -230,44 +365,6 @@
       </pc:sldChg>
     </pc:docChg>
   </pc:docChgLst>
-  <pc:docChgLst>
-    <pc:chgData name="Judson Santiago" userId="ebb108da2f256286" providerId="LiveId" clId="{9C828D34-158C-4E45-AE23-6C3ABAB18B53}"/>
-  </pc:docChgLst>
-  <pc:docChgLst>
-    <pc:chgData name="Judson Santiago" userId="ebb108da2f256286" providerId="LiveId" clId="{02E57C05-BB6E-4086-ABBB-3CDED5EA5BDB}"/>
-    <pc:docChg chg="modSld">
-      <pc:chgData name="Judson Santiago" userId="ebb108da2f256286" providerId="LiveId" clId="{02E57C05-BB6E-4086-ABBB-3CDED5EA5BDB}" dt="2019-08-05T16:55:19.111" v="3" actId="207"/>
-      <pc:docMkLst>
-        <pc:docMk/>
-      </pc:docMkLst>
-      <pc:sldChg chg="modSp">
-        <pc:chgData name="Judson Santiago" userId="ebb108da2f256286" providerId="LiveId" clId="{02E57C05-BB6E-4086-ABBB-3CDED5EA5BDB}" dt="2019-08-05T16:55:19.111" v="3" actId="207"/>
-        <pc:sldMkLst>
-          <pc:docMk/>
-          <pc:sldMk cId="889496560" sldId="299"/>
-        </pc:sldMkLst>
-        <pc:spChg chg="mod">
-          <ac:chgData name="Judson Santiago" userId="ebb108da2f256286" providerId="LiveId" clId="{02E57C05-BB6E-4086-ABBB-3CDED5EA5BDB}" dt="2019-08-05T16:55:12.376" v="1" actId="207"/>
-          <ac:spMkLst>
-            <pc:docMk/>
-            <pc:sldMk cId="889496560" sldId="299"/>
-            <ac:spMk id="3" creationId="{45FE0B4F-99CC-4056-AEAD-CAC2AA734B7E}"/>
-          </ac:spMkLst>
-        </pc:spChg>
-        <pc:spChg chg="mod">
-          <ac:chgData name="Judson Santiago" userId="ebb108da2f256286" providerId="LiveId" clId="{02E57C05-BB6E-4086-ABBB-3CDED5EA5BDB}" dt="2019-08-05T16:55:19.111" v="3" actId="207"/>
-          <ac:spMkLst>
-            <pc:docMk/>
-            <pc:sldMk cId="889496560" sldId="299"/>
-            <ac:spMk id="4" creationId="{D09B878C-E6C6-4677-9A67-C84AE3AF5666}"/>
-          </ac:spMkLst>
-        </pc:spChg>
-      </pc:sldChg>
-    </pc:docChg>
-  </pc:docChgLst>
-  <pc:docChgLst>
-    <pc:chgData name="Judson Santiago" userId="ebb108da2f256286" providerId="LiveId" clId="{61977F42-1AF7-4BD1-A837-E881627BA3FD}"/>
-  </pc:docChgLst>
 </pc:chgInfo>
 </file>
 
@@ -355,7 +452,7 @@
             <a:pPr rtl="0"/>
             <a:fld id="{6BFEDBB9-17B2-4B3E-927F-6A2C95FBF9DC}" type="datetime1">
               <a:rPr lang="pt-BR" smtClean="0"/>
-              <a:t>27/01/2020</a:t>
+              <a:t>24/05/2021</a:t>
             </a:fld>
             <a:endParaRPr lang="pt-BR" dirty="0"/>
           </a:p>
@@ -525,7 +622,7 @@
             <a:pPr rtl="0"/>
             <a:fld id="{7CFDB409-DC9D-40CF-939D-973CAB3BAB25}" type="datetime1">
               <a:rPr lang="pt-BR" noProof="0" smtClean="0"/>
-              <a:t>27/01/2020</a:t>
+              <a:t>24/05/2021</a:t>
             </a:fld>
             <a:endParaRPr lang="pt-BR" noProof="0" dirty="0"/>
           </a:p>
@@ -881,6 +978,127 @@
 </p:notes>
 </file>
 
+<file path=ppt/notesSlides/notesSlide10.xml><?xml version="1.0" encoding="utf-8"?>
+<p:notes xmlns:a="http://schemas.openxmlformats.org/drawingml/2006/main" xmlns:r="http://schemas.openxmlformats.org/officeDocument/2006/relationships" xmlns:p="http://schemas.openxmlformats.org/presentationml/2006/main">
+  <p:cSld>
+    <p:spTree>
+      <p:nvGrpSpPr>
+        <p:cNvPr id="1" name=""/>
+        <p:cNvGrpSpPr/>
+        <p:nvPr/>
+      </p:nvGrpSpPr>
+      <p:grpSpPr>
+        <a:xfrm>
+          <a:off x="0" y="0"/>
+          <a:ext cx="0" cy="0"/>
+          <a:chOff x="0" y="0"/>
+          <a:chExt cx="0" cy="0"/>
+        </a:xfrm>
+      </p:grpSpPr>
+      <p:sp>
+        <p:nvSpPr>
+          <p:cNvPr id="2" name="Espaço Reservado para Imagem de Slide 1"/>
+          <p:cNvSpPr>
+            <a:spLocks noGrp="1" noRot="1" noChangeAspect="1"/>
+          </p:cNvSpPr>
+          <p:nvPr>
+            <p:ph type="sldImg"/>
+          </p:nvPr>
+        </p:nvSpPr>
+        <p:spPr/>
+      </p:sp>
+      <p:sp>
+        <p:nvSpPr>
+          <p:cNvPr id="3" name="Espaço Reservado para Anotações 2"/>
+          <p:cNvSpPr>
+            <a:spLocks noGrp="1"/>
+          </p:cNvSpPr>
+          <p:nvPr>
+            <p:ph type="body" idx="1"/>
+          </p:nvPr>
+        </p:nvSpPr>
+        <p:spPr/>
+        <p:txBody>
+          <a:bodyPr/>
+          <a:lstStyle/>
+          <a:p>
+            <a:pPr marL="0" marR="0" lvl="0" indent="0" algn="l" defTabSz="914400" rtl="0" eaLnBrk="1" fontAlgn="auto" latinLnBrk="0" hangingPunct="1">
+              <a:lnSpc>
+                <a:spcPct val="100000"/>
+              </a:lnSpc>
+              <a:spcBef>
+                <a:spcPts val="0"/>
+              </a:spcBef>
+              <a:spcAft>
+                <a:spcPts val="0"/>
+              </a:spcAft>
+              <a:buClrTx/>
+              <a:buSzTx/>
+              <a:buFontTx/>
+              <a:buNone/>
+              <a:tabLst/>
+              <a:defRPr/>
+            </a:pPr>
+            <a:r>
+              <a:rPr lang="pt-BR" sz="1200" dirty="0">
+                <a:solidFill>
+                  <a:schemeClr val="bg1"/>
+                </a:solidFill>
+              </a:rPr>
+              <a:t>» Mostrar exemplo </a:t>
+            </a:r>
+            <a:r>
+              <a:rPr lang="pt-BR" sz="1200" dirty="0" err="1">
+                <a:solidFill>
+                  <a:schemeClr val="bg1"/>
+                </a:solidFill>
+              </a:rPr>
+              <a:t>CalcPlus</a:t>
+            </a:r>
+            <a:endParaRPr lang="pt-BR" dirty="0"/>
+          </a:p>
+          <a:p>
+            <a:endParaRPr lang="pt-BR" dirty="0"/>
+          </a:p>
+        </p:txBody>
+      </p:sp>
+      <p:sp>
+        <p:nvSpPr>
+          <p:cNvPr id="4" name="Espaço Reservado para Número de Slide 3"/>
+          <p:cNvSpPr>
+            <a:spLocks noGrp="1"/>
+          </p:cNvSpPr>
+          <p:nvPr>
+            <p:ph type="sldNum" sz="quarter" idx="10"/>
+          </p:nvPr>
+        </p:nvSpPr>
+        <p:spPr/>
+        <p:txBody>
+          <a:bodyPr/>
+          <a:lstStyle/>
+          <a:p>
+            <a:pPr rtl="0"/>
+            <a:fld id="{F93199CD-3E1B-4AE6-990F-76F925F5EA9F}" type="slidenum">
+              <a:rPr lang="pt-BR" noProof="0" smtClean="0"/>
+              <a:t>18</a:t>
+            </a:fld>
+            <a:endParaRPr lang="pt-BR" noProof="0" dirty="0"/>
+          </a:p>
+        </p:txBody>
+      </p:sp>
+    </p:spTree>
+    <p:extLst>
+      <p:ext uri="{BB962C8B-B14F-4D97-AF65-F5344CB8AC3E}">
+        <p14:creationId xmlns:p14="http://schemas.microsoft.com/office/powerpoint/2010/main" val="2407791455"/>
+      </p:ext>
+    </p:extLst>
+  </p:cSld>
+  <p:clrMapOvr>
+    <a:masterClrMapping/>
+  </p:clrMapOvr>
+</p:notes>
+</file>
+
 <file path=ppt/notesSlides/notesSlide2.xml><?xml version="1.0" encoding="utf-8"?>
 <p:notes xmlns:a="http://schemas.openxmlformats.org/drawingml/2006/main" xmlns:r="http://schemas.openxmlformats.org/officeDocument/2006/relationships" xmlns:p="http://schemas.openxmlformats.org/presentationml/2006/main">
   <p:cSld>
@@ -927,71 +1145,7 @@
           <a:p>
             <a:r>
               <a:rPr lang="pt-BR" dirty="0"/>
-              <a:t>O </a:t>
-            </a:r>
-            <a:r>
-              <a:rPr lang="pt-BR" dirty="0" err="1"/>
-              <a:t>Yacc</a:t>
-            </a:r>
-            <a:r>
-              <a:rPr lang="pt-BR" dirty="0"/>
-              <a:t> se destacou por combinar uma sólida fundamentação teórica baseada no trabalho de Donald E. </a:t>
-            </a:r>
-            <a:r>
-              <a:rPr lang="pt-BR" dirty="0" err="1"/>
-              <a:t>Knuth</a:t>
-            </a:r>
-            <a:r>
-              <a:rPr lang="pt-BR" dirty="0"/>
-              <a:t>, com uma conveniente sintaxe de entrada. O </a:t>
-            </a:r>
-            <a:r>
-              <a:rPr lang="pt-BR" dirty="0" err="1"/>
-              <a:t>Yacc</a:t>
-            </a:r>
-            <a:r>
-              <a:rPr lang="pt-BR" dirty="0"/>
-              <a:t> era restrito ao Unix, mas em 1985, um estudante de graduação chamado Bob </a:t>
-            </a:r>
-            <a:r>
-              <a:rPr lang="pt-BR" dirty="0" err="1"/>
-              <a:t>Corbett</a:t>
-            </a:r>
-            <a:r>
-              <a:rPr lang="pt-BR" dirty="0"/>
-              <a:t> criou uma versão livre e mais rápida do </a:t>
-            </a:r>
-            <a:r>
-              <a:rPr lang="pt-BR" dirty="0" err="1"/>
-              <a:t>Yacc</a:t>
-            </a:r>
-            <a:r>
-              <a:rPr lang="pt-BR" dirty="0"/>
-              <a:t>, chamada hoje de Berkeley </a:t>
-            </a:r>
-            <a:r>
-              <a:rPr lang="pt-BR" dirty="0" err="1"/>
-              <a:t>Yacc</a:t>
-            </a:r>
-            <a:r>
-              <a:rPr lang="pt-BR" dirty="0"/>
-              <a:t>. O Projeto GNU integrou e continuou a melhorar o projeto de </a:t>
-            </a:r>
-            <a:r>
-              <a:rPr lang="pt-BR" dirty="0" err="1"/>
-              <a:t>Corbett</a:t>
-            </a:r>
-            <a:r>
-              <a:rPr lang="pt-BR" dirty="0"/>
-              <a:t>, no que é hoje conhecido como GNU </a:t>
-            </a:r>
-            <a:r>
-              <a:rPr lang="pt-BR" dirty="0" err="1"/>
-              <a:t>Bison</a:t>
-            </a:r>
-            <a:r>
-              <a:rPr lang="pt-BR" dirty="0"/>
-              <a:t>. </a:t>
+              <a:t>O nome reflete a popularidade dessas ferramentas à época.</a:t>
             </a:r>
           </a:p>
         </p:txBody>
@@ -1077,18 +1231,7 @@
           <a:bodyPr/>
           <a:lstStyle/>
           <a:p>
-            <a:r>
-              <a:rPr lang="pt-BR" dirty="0"/>
-              <a:t>O Bison gera um arquivo &lt;nome&gt;.</a:t>
-            </a:r>
-            <a:r>
-              <a:rPr lang="pt-BR" dirty="0" err="1"/>
-              <a:t>tab.c</a:t>
-            </a:r>
-            <a:r>
-              <a:rPr lang="pt-BR" dirty="0"/>
-              <a:t>, onde &lt;nome&gt; é o nome do arquivo “.y”. Para gerar um nome compatível com o Yacc é preciso usar "bison –b y"</a:t>
-            </a:r>
+            <a:endParaRPr lang="pt-BR" dirty="0"/>
           </a:p>
         </p:txBody>
       </p:sp>
@@ -1119,7 +1262,7 @@
     </p:spTree>
     <p:extLst>
       <p:ext uri="{BB962C8B-B14F-4D97-AF65-F5344CB8AC3E}">
-        <p14:creationId xmlns:p14="http://schemas.microsoft.com/office/powerpoint/2010/main" val="143864457"/>
+        <p14:creationId xmlns:p14="http://schemas.microsoft.com/office/powerpoint/2010/main" val="2120461315"/>
       </p:ext>
     </p:extLst>
   </p:cSld>
@@ -1175,7 +1318,15 @@
           <a:p>
             <a:r>
               <a:rPr lang="pt-BR" dirty="0"/>
-              <a:t>Se for usado em conjunto com o Flex, as declarações de tokens se tornam disponíveis também para o analisador léxico.</a:t>
+              <a:t>O Bison gera um arquivo &lt;nome&gt;.</a:t>
+            </a:r>
+            <a:r>
+              <a:rPr lang="pt-BR" dirty="0" err="1"/>
+              <a:t>tab.c</a:t>
+            </a:r>
+            <a:r>
+              <a:rPr lang="pt-BR" dirty="0"/>
+              <a:t>, onde &lt;nome&gt; é o nome do arquivo “.y”. Para gerar um nome compatível com o Yacc é preciso usar "bison –b y"</a:t>
             </a:r>
           </a:p>
         </p:txBody>
@@ -1198,7 +1349,7 @@
             <a:pPr rtl="0"/>
             <a:fld id="{F93199CD-3E1B-4AE6-990F-76F925F5EA9F}" type="slidenum">
               <a:rPr lang="pt-BR" noProof="0" smtClean="0"/>
-              <a:t>5</a:t>
+              <a:t>4</a:t>
             </a:fld>
             <a:endParaRPr lang="pt-BR" noProof="0" dirty="0"/>
           </a:p>
@@ -1207,7 +1358,7 @@
     </p:spTree>
     <p:extLst>
       <p:ext uri="{BB962C8B-B14F-4D97-AF65-F5344CB8AC3E}">
-        <p14:creationId xmlns:p14="http://schemas.microsoft.com/office/powerpoint/2010/main" val="3683685150"/>
+        <p14:creationId xmlns:p14="http://schemas.microsoft.com/office/powerpoint/2010/main" val="143864457"/>
       </p:ext>
     </p:extLst>
   </p:cSld>
@@ -1263,13 +1414,8 @@
           <a:p>
             <a:r>
               <a:rPr lang="pt-BR" dirty="0"/>
-              <a:t>Tudo nesta seção é copiado para o arquivo </a:t>
-            </a:r>
-            <a:r>
-              <a:rPr lang="pt-BR" dirty="0" err="1"/>
-              <a:t>parser.tab.c</a:t>
-            </a:r>
-            <a:endParaRPr lang="pt-BR" dirty="0"/>
+              <a:t>Se for usado em conjunto com o Flex, as declarações de tokens se tornam disponíveis também para o analisador léxico.</a:t>
+            </a:r>
           </a:p>
         </p:txBody>
       </p:sp>
@@ -1291,7 +1437,7 @@
             <a:pPr rtl="0"/>
             <a:fld id="{F93199CD-3E1B-4AE6-990F-76F925F5EA9F}" type="slidenum">
               <a:rPr lang="pt-BR" noProof="0" smtClean="0"/>
-              <a:t>9</a:t>
+              <a:t>6</a:t>
             </a:fld>
             <a:endParaRPr lang="pt-BR" noProof="0" dirty="0"/>
           </a:p>
@@ -1300,7 +1446,7 @@
     </p:spTree>
     <p:extLst>
       <p:ext uri="{BB962C8B-B14F-4D97-AF65-F5344CB8AC3E}">
-        <p14:creationId xmlns:p14="http://schemas.microsoft.com/office/powerpoint/2010/main" val="1420259116"/>
+        <p14:creationId xmlns:p14="http://schemas.microsoft.com/office/powerpoint/2010/main" val="3683685150"/>
       </p:ext>
     </p:extLst>
   </p:cSld>
@@ -1355,28 +1501,12 @@
           <a:lstStyle/>
           <a:p>
             <a:r>
-              <a:rPr lang="pt-BR" sz="1200" dirty="0">
-                <a:solidFill>
-                  <a:schemeClr val="bg1"/>
-                </a:solidFill>
-              </a:rPr>
-              <a:t>» Mostrar exemplo “</a:t>
-            </a:r>
-            <a:r>
-              <a:rPr lang="pt-BR" sz="1200" dirty="0" err="1">
-                <a:solidFill>
-                  <a:schemeClr val="bg1"/>
-                </a:solidFill>
-              </a:rPr>
-              <a:t>Calc</a:t>
-            </a:r>
-            <a:r>
-              <a:rPr lang="pt-BR" sz="1200" dirty="0">
-                <a:solidFill>
-                  <a:schemeClr val="bg1"/>
-                </a:solidFill>
-              </a:rPr>
-              <a:t>”</a:t>
+              <a:rPr lang="pt-BR" dirty="0"/>
+              <a:t>Tudo nesta seção é copiado para o arquivo </a:t>
+            </a:r>
+            <a:r>
+              <a:rPr lang="pt-BR" dirty="0" err="1"/>
+              <a:t>parser.tab.c</a:t>
             </a:r>
             <a:endParaRPr lang="pt-BR" dirty="0"/>
           </a:p>
@@ -1409,7 +1539,7 @@
     </p:spTree>
     <p:extLst>
       <p:ext uri="{BB962C8B-B14F-4D97-AF65-F5344CB8AC3E}">
-        <p14:creationId xmlns:p14="http://schemas.microsoft.com/office/powerpoint/2010/main" val="2348957914"/>
+        <p14:creationId xmlns:p14="http://schemas.microsoft.com/office/powerpoint/2010/main" val="1420259116"/>
       </p:ext>
     </p:extLst>
   </p:cSld>
@@ -1464,119 +1594,29 @@
           <a:lstStyle/>
           <a:p>
             <a:r>
-              <a:rPr lang="pt-BR" dirty="0"/>
-              <a:t>A produção </a:t>
-            </a:r>
-            <a:r>
-              <a:rPr lang="pt-BR" dirty="0" err="1"/>
-              <a:t>calc</a:t>
-            </a:r>
-            <a:r>
-              <a:rPr lang="pt-BR" dirty="0"/>
-              <a:t> </a:t>
-            </a:r>
-            <a:r>
-              <a:rPr lang="pt-BR" dirty="0">
-                <a:latin typeface="Cambria Math" panose="02040503050406030204" pitchFamily="18" charset="0"/>
-                <a:ea typeface="Cambria Math" panose="02040503050406030204" pitchFamily="18" charset="0"/>
-              </a:rPr>
-              <a:t>→</a:t>
-            </a:r>
-            <a:r>
-              <a:rPr lang="pt-BR" dirty="0"/>
-              <a:t> </a:t>
-            </a:r>
-            <a:r>
-              <a:rPr lang="pt-BR" dirty="0" err="1"/>
-              <a:t>calc</a:t>
-            </a:r>
-            <a:r>
-              <a:rPr lang="pt-BR" dirty="0"/>
-              <a:t> '\n' permite uma linha em branco finalizada com \n, visto que </a:t>
-            </a:r>
-            <a:r>
-              <a:rPr lang="pt-BR" dirty="0" err="1"/>
-              <a:t>calc</a:t>
-            </a:r>
-            <a:r>
-              <a:rPr lang="pt-BR" dirty="0"/>
-              <a:t> pode ser vazio. A outra opção é </a:t>
-            </a:r>
-            <a:r>
-              <a:rPr lang="pt-BR" dirty="0" err="1"/>
-              <a:t>calc</a:t>
-            </a:r>
-            <a:r>
-              <a:rPr lang="pt-BR" dirty="0"/>
-              <a:t> ser uma expressão seguida por \n. </a:t>
-            </a:r>
-          </a:p>
-          <a:p>
-            <a:endParaRPr lang="pt-BR" dirty="0"/>
-          </a:p>
-          <a:p>
-            <a:r>
-              <a:rPr lang="pt-BR" dirty="0"/>
-              <a:t>Se uma linha em branco não fosse necessária, poderíamos também escrever a gramática assim:</a:t>
-            </a:r>
-          </a:p>
-          <a:p>
-            <a:r>
-              <a:rPr lang="pt-BR" dirty="0" err="1"/>
-              <a:t>calc</a:t>
-            </a:r>
-            <a:r>
-              <a:rPr lang="pt-BR" dirty="0"/>
-              <a:t> : </a:t>
-            </a:r>
-            <a:r>
-              <a:rPr lang="pt-BR" dirty="0" err="1"/>
-              <a:t>calc</a:t>
-            </a:r>
-            <a:r>
-              <a:rPr lang="pt-BR" dirty="0"/>
-              <a:t> </a:t>
-            </a:r>
-            <a:r>
-              <a:rPr lang="pt-BR" dirty="0" err="1"/>
-              <a:t>expr</a:t>
-            </a:r>
-            <a:r>
-              <a:rPr lang="pt-BR" dirty="0"/>
-              <a:t> '\n'  { cout &lt;&lt; $2 &lt;&lt; </a:t>
-            </a:r>
-            <a:r>
-              <a:rPr lang="pt-BR" dirty="0" err="1"/>
-              <a:t>endl</a:t>
-            </a:r>
-            <a:r>
-              <a:rPr lang="pt-BR" dirty="0"/>
-              <a:t>; }</a:t>
-            </a:r>
-          </a:p>
-          <a:p>
-            <a:r>
-              <a:rPr lang="pt-BR" dirty="0"/>
-              <a:t>       | </a:t>
-            </a:r>
-            <a:r>
-              <a:rPr lang="pt-BR" dirty="0" err="1"/>
-              <a:t>expr</a:t>
-            </a:r>
-            <a:r>
-              <a:rPr lang="pt-BR" dirty="0"/>
-              <a:t> '\n'         { cout &lt;&lt; $1 &lt;&lt; </a:t>
-            </a:r>
-            <a:r>
-              <a:rPr lang="pt-BR" dirty="0" err="1"/>
-              <a:t>endl</a:t>
-            </a:r>
-            <a:r>
-              <a:rPr lang="pt-BR" dirty="0"/>
-              <a:t>; }</a:t>
-            </a:r>
-          </a:p>
-          <a:p>
+              <a:rPr lang="pt-BR" sz="1200" dirty="0">
+                <a:solidFill>
+                  <a:schemeClr val="bg1"/>
+                </a:solidFill>
+              </a:rPr>
+              <a:t>» Mostrar exemplo “</a:t>
+            </a:r>
+            <a:r>
+              <a:rPr lang="pt-BR" sz="1200" dirty="0" err="1">
+                <a:solidFill>
+                  <a:schemeClr val="bg1"/>
+                </a:solidFill>
+              </a:rPr>
+              <a:t>Calc</a:t>
+            </a:r>
+            <a:r>
+              <a:rPr lang="pt-BR" sz="1200" dirty="0">
+                <a:solidFill>
+                  <a:schemeClr val="bg1"/>
+                </a:solidFill>
+              </a:rPr>
+              <a:t>”</a:t>
+            </a:r>
             <a:endParaRPr lang="pt-BR" dirty="0"/>
           </a:p>
         </p:txBody>
@@ -1608,7 +1648,7 @@
     </p:spTree>
     <p:extLst>
       <p:ext uri="{BB962C8B-B14F-4D97-AF65-F5344CB8AC3E}">
-        <p14:creationId xmlns:p14="http://schemas.microsoft.com/office/powerpoint/2010/main" val="536423291"/>
+        <p14:creationId xmlns:p14="http://schemas.microsoft.com/office/powerpoint/2010/main" val="2348957914"/>
       </p:ext>
     </p:extLst>
   </p:cSld>
@@ -1663,13 +1703,120 @@
           <a:lstStyle/>
           <a:p>
             <a:r>
+              <a:rPr lang="pt-BR" dirty="0"/>
+              <a:t>A produção </a:t>
+            </a:r>
+            <a:r>
               <a:rPr lang="pt-BR" dirty="0" err="1"/>
-              <a:t>Nonassoc</a:t>
-            </a:r>
-            <a:r>
-              <a:rPr lang="pt-BR" dirty="0"/>
-              <a:t>: duas ocorrências do símbolo terminal (operador) não podem ser combinadas de forma alguma</a:t>
-            </a:r>
+              <a:t>calc</a:t>
+            </a:r>
+            <a:r>
+              <a:rPr lang="pt-BR" dirty="0"/>
+              <a:t> </a:t>
+            </a:r>
+            <a:r>
+              <a:rPr lang="pt-BR" dirty="0">
+                <a:latin typeface="Cambria Math" panose="02040503050406030204" pitchFamily="18" charset="0"/>
+                <a:ea typeface="Cambria Math" panose="02040503050406030204" pitchFamily="18" charset="0"/>
+              </a:rPr>
+              <a:t>→</a:t>
+            </a:r>
+            <a:r>
+              <a:rPr lang="pt-BR" dirty="0"/>
+              <a:t> </a:t>
+            </a:r>
+            <a:r>
+              <a:rPr lang="pt-BR" dirty="0" err="1"/>
+              <a:t>calc</a:t>
+            </a:r>
+            <a:r>
+              <a:rPr lang="pt-BR" dirty="0"/>
+              <a:t> '\n' permite uma linha em branco finalizada com \n, visto que </a:t>
+            </a:r>
+            <a:r>
+              <a:rPr lang="pt-BR" dirty="0" err="1"/>
+              <a:t>calc</a:t>
+            </a:r>
+            <a:r>
+              <a:rPr lang="pt-BR" dirty="0"/>
+              <a:t> pode ser vazio. A outra opção é </a:t>
+            </a:r>
+            <a:r>
+              <a:rPr lang="pt-BR" dirty="0" err="1"/>
+              <a:t>calc</a:t>
+            </a:r>
+            <a:r>
+              <a:rPr lang="pt-BR" dirty="0"/>
+              <a:t> ser uma expressão seguida por \n. </a:t>
+            </a:r>
+          </a:p>
+          <a:p>
+            <a:endParaRPr lang="pt-BR" dirty="0"/>
+          </a:p>
+          <a:p>
+            <a:r>
+              <a:rPr lang="pt-BR" dirty="0"/>
+              <a:t>Se uma linha em branco não fosse necessária, poderíamos também escrever a gramática assim:</a:t>
+            </a:r>
+          </a:p>
+          <a:p>
+            <a:r>
+              <a:rPr lang="pt-BR" dirty="0" err="1"/>
+              <a:t>calc</a:t>
+            </a:r>
+            <a:r>
+              <a:rPr lang="pt-BR" dirty="0"/>
+              <a:t> : </a:t>
+            </a:r>
+            <a:r>
+              <a:rPr lang="pt-BR" dirty="0" err="1"/>
+              <a:t>calc</a:t>
+            </a:r>
+            <a:r>
+              <a:rPr lang="pt-BR" dirty="0"/>
+              <a:t> </a:t>
+            </a:r>
+            <a:r>
+              <a:rPr lang="pt-BR" dirty="0" err="1"/>
+              <a:t>expr</a:t>
+            </a:r>
+            <a:r>
+              <a:rPr lang="pt-BR" dirty="0"/>
+              <a:t> '\n'  { cout &lt;&lt; $2 &lt;&lt; </a:t>
+            </a:r>
+            <a:r>
+              <a:rPr lang="pt-BR" dirty="0" err="1"/>
+              <a:t>endl</a:t>
+            </a:r>
+            <a:r>
+              <a:rPr lang="pt-BR" dirty="0"/>
+              <a:t>; }</a:t>
+            </a:r>
+          </a:p>
+          <a:p>
+            <a:r>
+              <a:rPr lang="pt-BR" dirty="0"/>
+              <a:t>       | </a:t>
+            </a:r>
+            <a:r>
+              <a:rPr lang="pt-BR" dirty="0" err="1"/>
+              <a:t>expr</a:t>
+            </a:r>
+            <a:r>
+              <a:rPr lang="pt-BR" dirty="0"/>
+              <a:t> '\n'         { cout &lt;&lt; $1 &lt;&lt; </a:t>
+            </a:r>
+            <a:r>
+              <a:rPr lang="pt-BR" dirty="0" err="1"/>
+              <a:t>endl</a:t>
+            </a:r>
+            <a:r>
+              <a:rPr lang="pt-BR" dirty="0"/>
+              <a:t>; }</a:t>
+            </a:r>
+          </a:p>
+          <a:p>
+            <a:endParaRPr lang="pt-BR" dirty="0"/>
           </a:p>
         </p:txBody>
       </p:sp>
@@ -1691,7 +1838,7 @@
             <a:pPr rtl="0"/>
             <a:fld id="{F93199CD-3E1B-4AE6-990F-76F925F5EA9F}" type="slidenum">
               <a:rPr lang="pt-BR" noProof="0" smtClean="0"/>
-              <a:t>14</a:t>
+              <a:t>12</a:t>
             </a:fld>
             <a:endParaRPr lang="pt-BR" noProof="0" dirty="0"/>
           </a:p>
@@ -1700,7 +1847,7 @@
     </p:spTree>
     <p:extLst>
       <p:ext uri="{BB962C8B-B14F-4D97-AF65-F5344CB8AC3E}">
-        <p14:creationId xmlns:p14="http://schemas.microsoft.com/office/powerpoint/2010/main" val="2775789032"/>
+        <p14:creationId xmlns:p14="http://schemas.microsoft.com/office/powerpoint/2010/main" val="536423291"/>
       </p:ext>
     </p:extLst>
   </p:cSld>
@@ -1754,43 +1901,14 @@
           <a:bodyPr/>
           <a:lstStyle/>
           <a:p>
-            <a:pPr marL="0" marR="0" lvl="0" indent="0" algn="l" defTabSz="914400" rtl="0" eaLnBrk="1" fontAlgn="auto" latinLnBrk="0" hangingPunct="1">
-              <a:lnSpc>
-                <a:spcPct val="100000"/>
-              </a:lnSpc>
-              <a:spcBef>
-                <a:spcPts val="0"/>
-              </a:spcBef>
-              <a:spcAft>
-                <a:spcPts val="0"/>
-              </a:spcAft>
-              <a:buClrTx/>
-              <a:buSzTx/>
-              <a:buFontTx/>
-              <a:buNone/>
-              <a:tabLst/>
-              <a:defRPr/>
-            </a:pPr>
-            <a:r>
-              <a:rPr lang="pt-BR" sz="1200" dirty="0">
-                <a:solidFill>
-                  <a:schemeClr val="bg1"/>
-                </a:solidFill>
-              </a:rPr>
-              <a:t>» Mostrar exemplo </a:t>
-            </a:r>
-            <a:r>
-              <a:rPr lang="pt-BR" sz="1200" dirty="0" err="1">
-                <a:solidFill>
-                  <a:schemeClr val="bg1"/>
-                </a:solidFill>
-              </a:rPr>
-              <a:t>CalcPlus</a:t>
-            </a:r>
-            <a:endParaRPr lang="pt-BR" dirty="0"/>
-          </a:p>
-          <a:p>
-            <a:endParaRPr lang="pt-BR" dirty="0"/>
+            <a:r>
+              <a:rPr lang="pt-BR" dirty="0" err="1"/>
+              <a:t>Nonassoc</a:t>
+            </a:r>
+            <a:r>
+              <a:rPr lang="pt-BR" dirty="0"/>
+              <a:t>: duas ocorrências do símbolo terminal (operador) não podem ser combinadas de forma alguma</a:t>
+            </a:r>
           </a:p>
         </p:txBody>
       </p:sp>
@@ -1812,7 +1930,7 @@
             <a:pPr rtl="0"/>
             <a:fld id="{F93199CD-3E1B-4AE6-990F-76F925F5EA9F}" type="slidenum">
               <a:rPr lang="pt-BR" noProof="0" smtClean="0"/>
-              <a:t>17</a:t>
+              <a:t>15</a:t>
             </a:fld>
             <a:endParaRPr lang="pt-BR" noProof="0" dirty="0"/>
           </a:p>
@@ -1821,7 +1939,7 @@
     </p:spTree>
     <p:extLst>
       <p:ext uri="{BB962C8B-B14F-4D97-AF65-F5344CB8AC3E}">
-        <p14:creationId xmlns:p14="http://schemas.microsoft.com/office/powerpoint/2010/main" val="2407791455"/>
+        <p14:creationId xmlns:p14="http://schemas.microsoft.com/office/powerpoint/2010/main" val="2775789032"/>
       </p:ext>
     </p:extLst>
   </p:cSld>
@@ -2327,7 +2445,7 @@
             <a:pPr rtl="0"/>
             <a:fld id="{7386073F-07CC-4F54-983C-A08F76E2B22C}" type="datetime1">
               <a:rPr lang="pt-BR" noProof="0" smtClean="0"/>
-              <a:t>27/01/2020</a:t>
+              <a:t>24/05/2021</a:t>
             </a:fld>
             <a:endParaRPr lang="pt-BR" noProof="0" dirty="0"/>
           </a:p>
@@ -2551,7 +2669,7 @@
             <a:pPr rtl="0"/>
             <a:fld id="{A09B9D17-E8D2-48F1-BB8E-8435624068C9}" type="datetime1">
               <a:rPr lang="pt-BR" noProof="0" smtClean="0"/>
-              <a:t>27/01/2020</a:t>
+              <a:t>24/05/2021</a:t>
             </a:fld>
             <a:endParaRPr lang="pt-BR" noProof="0" dirty="0"/>
           </a:p>
@@ -2839,7 +2957,7 @@
             <a:pPr rtl="0"/>
             <a:fld id="{3CC651F5-80DD-4CFE-BBBA-2C23591EF509}" type="datetime1">
               <a:rPr lang="pt-BR" noProof="0" smtClean="0"/>
-              <a:t>27/01/2020</a:t>
+              <a:t>24/05/2021</a:t>
             </a:fld>
             <a:endParaRPr lang="pt-BR" noProof="0" dirty="0"/>
           </a:p>
@@ -3169,7 +3287,7 @@
             <a:pPr rtl="0"/>
             <a:fld id="{E20F3F8A-A3F9-49EF-8A63-4F3E8648871C}" type="datetime1">
               <a:rPr lang="pt-BR" noProof="0" smtClean="0"/>
-              <a:t>27/01/2020</a:t>
+              <a:t>24/05/2021</a:t>
             </a:fld>
             <a:endParaRPr lang="pt-BR" noProof="0" dirty="0"/>
           </a:p>
@@ -3651,7 +3769,7 @@
             <a:pPr rtl="0"/>
             <a:fld id="{DEB5B092-D646-433C-8E29-1081397BD56B}" type="datetime1">
               <a:rPr lang="pt-BR" noProof="0" smtClean="0"/>
-              <a:t>27/01/2020</a:t>
+              <a:t>24/05/2021</a:t>
             </a:fld>
             <a:endParaRPr lang="pt-BR" noProof="0" dirty="0"/>
           </a:p>
@@ -3779,7 +3897,7 @@
             <a:pPr rtl="0"/>
             <a:fld id="{BB4CE6DC-A634-42A5-81DE-6C671B621413}" type="datetime1">
               <a:rPr lang="pt-BR" noProof="0" smtClean="0"/>
-              <a:t>27/01/2020</a:t>
+              <a:t>24/05/2021</a:t>
             </a:fld>
             <a:endParaRPr lang="pt-BR" noProof="0" dirty="0"/>
           </a:p>
@@ -4099,7 +4217,7 @@
             <a:pPr rtl="0"/>
             <a:fld id="{D2212A4E-660E-4296-8499-89CF1C51321A}" type="datetime1">
               <a:rPr lang="pt-BR" noProof="0" smtClean="0"/>
-              <a:t>27/01/2020</a:t>
+              <a:t>24/05/2021</a:t>
             </a:fld>
             <a:endParaRPr lang="pt-BR" noProof="0" dirty="0"/>
           </a:p>
@@ -4437,7 +4555,7 @@
             <a:pPr rtl="0"/>
             <a:fld id="{B1912D32-F3CE-450A-AE4E-30B99005B8FD}" type="datetime1">
               <a:rPr lang="pt-BR" noProof="0" smtClean="0"/>
-              <a:t>27/01/2020</a:t>
+              <a:t>24/05/2021</a:t>
             </a:fld>
             <a:endParaRPr lang="pt-BR" noProof="0" dirty="0"/>
           </a:p>
@@ -4635,7 +4753,7 @@
             <a:pPr rtl="0"/>
             <a:fld id="{7B7F50BC-2F98-4AAD-BE27-6A84E4E8AC1C}" type="datetime1">
               <a:rPr lang="pt-BR" noProof="0" smtClean="0"/>
-              <a:t>27/01/2020</a:t>
+              <a:t>24/05/2021</a:t>
             </a:fld>
             <a:endParaRPr lang="pt-BR" noProof="0" dirty="0"/>
           </a:p>
@@ -4886,7 +5004,7 @@
             <a:pPr rtl="0"/>
             <a:fld id="{BFCDB3FC-E508-4872-9DA3-DD0C1E84DD1A}" type="datetime1">
               <a:rPr lang="pt-BR" noProof="0" smtClean="0"/>
-              <a:t>27/01/2020</a:t>
+              <a:t>24/05/2021</a:t>
             </a:fld>
             <a:endParaRPr lang="pt-BR" noProof="0" dirty="0"/>
           </a:p>
@@ -5430,6 +5548,575 @@
           <p:cNvPr id="2" name="Título 1">
             <a:extLst>
               <a:ext uri="{FF2B5EF4-FFF2-40B4-BE49-F238E27FC236}">
+                <a16:creationId xmlns:a16="http://schemas.microsoft.com/office/drawing/2014/main" id="{29E8CF7D-5F16-43CF-AA0E-2FDEDB44D848}"/>
+              </a:ext>
+            </a:extLst>
+          </p:cNvPr>
+          <p:cNvSpPr>
+            <a:spLocks noGrp="1"/>
+          </p:cNvSpPr>
+          <p:nvPr>
+            <p:ph type="title"/>
+          </p:nvPr>
+        </p:nvSpPr>
+        <p:spPr/>
+        <p:txBody>
+          <a:bodyPr/>
+          <a:lstStyle/>
+          <a:p>
+            <a:r>
+              <a:rPr lang="pt-BR" dirty="0"/>
+              <a:t>Estrutura do Programa</a:t>
+            </a:r>
+          </a:p>
+        </p:txBody>
+      </p:sp>
+      <p:sp>
+        <p:nvSpPr>
+          <p:cNvPr id="3" name="Espaço Reservado para Conteúdo 2">
+            <a:extLst>
+              <a:ext uri="{FF2B5EF4-FFF2-40B4-BE49-F238E27FC236}">
+                <a16:creationId xmlns:a16="http://schemas.microsoft.com/office/drawing/2014/main" id="{1E85AC70-2093-4269-AFD6-9BA76595AFF9}"/>
+              </a:ext>
+            </a:extLst>
+          </p:cNvPr>
+          <p:cNvSpPr>
+            <a:spLocks noGrp="1"/>
+          </p:cNvSpPr>
+          <p:nvPr>
+            <p:ph idx="1"/>
+          </p:nvPr>
+        </p:nvSpPr>
+        <p:spPr/>
+        <p:txBody>
+          <a:bodyPr/>
+          <a:lstStyle/>
+          <a:p>
+            <a:r>
+              <a:rPr lang="pt-BR" dirty="0"/>
+              <a:t>Exemplo de </a:t>
+            </a:r>
+            <a:r>
+              <a:rPr lang="pt-BR" dirty="0">
+                <a:solidFill>
+                  <a:schemeClr val="accent1">
+                    <a:lumMod val="75000"/>
+                  </a:schemeClr>
+                </a:solidFill>
+              </a:rPr>
+              <a:t>rotinas de suporte</a:t>
+            </a:r>
+            <a:r>
+              <a:rPr lang="pt-BR" dirty="0"/>
+              <a:t>:</a:t>
+            </a:r>
+          </a:p>
+        </p:txBody>
+      </p:sp>
+      <p:sp>
+        <p:nvSpPr>
+          <p:cNvPr id="4" name="CaixaDeTexto 3">
+            <a:extLst>
+              <a:ext uri="{FF2B5EF4-FFF2-40B4-BE49-F238E27FC236}">
+                <a16:creationId xmlns:a16="http://schemas.microsoft.com/office/drawing/2014/main" id="{F29407CB-FE7F-4278-8144-EAFBFF5F84F1}"/>
+              </a:ext>
+            </a:extLst>
+          </p:cNvPr>
+          <p:cNvSpPr txBox="1"/>
+          <p:nvPr/>
+        </p:nvSpPr>
+        <p:spPr>
+          <a:xfrm>
+            <a:off x="1197868" y="2431971"/>
+            <a:ext cx="8856984" cy="4031873"/>
+          </a:xfrm>
+          <a:prstGeom prst="rect">
+            <a:avLst/>
+          </a:prstGeom>
+          <a:noFill/>
+        </p:spPr>
+        <p:txBody>
+          <a:bodyPr wrap="square" rtlCol="0">
+            <a:spAutoFit/>
+          </a:bodyPr>
+          <a:lstStyle/>
+          <a:p>
+            <a:r>
+              <a:rPr lang="pt-BR" sz="1600" dirty="0">
+                <a:solidFill>
+                  <a:schemeClr val="accent3"/>
+                </a:solidFill>
+                <a:latin typeface="Consolas" panose="020B0609020204030204" pitchFamily="49" charset="0"/>
+              </a:rPr>
+              <a:t>%%</a:t>
+            </a:r>
+            <a:endParaRPr lang="pt-BR" sz="1600" dirty="0">
+              <a:ln>
+                <a:solidFill>
+                  <a:schemeClr val="accent2">
+                    <a:lumMod val="75000"/>
+                  </a:schemeClr>
+                </a:solidFill>
+              </a:ln>
+              <a:solidFill>
+                <a:schemeClr val="accent3"/>
+              </a:solidFill>
+              <a:latin typeface="Consolas" panose="020B0609020204030204" pitchFamily="49" charset="0"/>
+            </a:endParaRPr>
+          </a:p>
+          <a:p>
+            <a:endParaRPr lang="pt-BR" sz="1600" dirty="0">
+              <a:ln>
+                <a:solidFill>
+                  <a:schemeClr val="accent2">
+                    <a:lumMod val="75000"/>
+                  </a:schemeClr>
+                </a:solidFill>
+              </a:ln>
+              <a:solidFill>
+                <a:schemeClr val="accent2">
+                  <a:lumMod val="20000"/>
+                  <a:lumOff val="80000"/>
+                </a:schemeClr>
+              </a:solidFill>
+              <a:latin typeface="Consolas" panose="020B0609020204030204" pitchFamily="49" charset="0"/>
+            </a:endParaRPr>
+          </a:p>
+          <a:p>
+            <a:r>
+              <a:rPr lang="pt-BR" sz="1600" dirty="0" err="1">
+                <a:solidFill>
+                  <a:schemeClr val="bg2">
+                    <a:lumMod val="50000"/>
+                    <a:lumOff val="50000"/>
+                  </a:schemeClr>
+                </a:solidFill>
+                <a:latin typeface="Consolas" panose="020B0609020204030204" pitchFamily="49" charset="0"/>
+              </a:rPr>
+              <a:t>int</a:t>
+            </a:r>
+            <a:r>
+              <a:rPr lang="pt-BR" sz="1600" dirty="0">
+                <a:latin typeface="Consolas" panose="020B0609020204030204" pitchFamily="49" charset="0"/>
+              </a:rPr>
+              <a:t> yylex() {        </a:t>
+            </a:r>
+            <a:r>
+              <a:rPr lang="pt-BR" sz="1600" dirty="0">
+                <a:solidFill>
+                  <a:schemeClr val="bg1">
+                    <a:lumMod val="65000"/>
+                    <a:lumOff val="35000"/>
+                  </a:schemeClr>
+                </a:solidFill>
+                <a:latin typeface="Consolas" panose="020B0609020204030204" pitchFamily="49" charset="0"/>
+              </a:rPr>
+              <a:t>// implementação manual do analisador léxico</a:t>
+            </a:r>
+            <a:endParaRPr lang="pt-BR" sz="1600" dirty="0">
+              <a:latin typeface="Consolas" panose="020B0609020204030204" pitchFamily="49" charset="0"/>
+            </a:endParaRPr>
+          </a:p>
+          <a:p>
+            <a:r>
+              <a:rPr lang="pt-BR" sz="1600" dirty="0">
+                <a:solidFill>
+                  <a:schemeClr val="accent3">
+                    <a:lumMod val="75000"/>
+                  </a:schemeClr>
+                </a:solidFill>
+                <a:latin typeface="Consolas" panose="020B0609020204030204" pitchFamily="49" charset="0"/>
+              </a:rPr>
+              <a:t>    </a:t>
+            </a:r>
+            <a:r>
+              <a:rPr lang="pt-BR" sz="1600" dirty="0">
+                <a:solidFill>
+                  <a:schemeClr val="bg2">
+                    <a:lumMod val="50000"/>
+                    <a:lumOff val="50000"/>
+                  </a:schemeClr>
+                </a:solidFill>
+                <a:latin typeface="Consolas" panose="020B0609020204030204" pitchFamily="49" charset="0"/>
+              </a:rPr>
+              <a:t>char</a:t>
+            </a:r>
+            <a:r>
+              <a:rPr lang="pt-BR" sz="1600" dirty="0">
+                <a:latin typeface="Consolas" panose="020B0609020204030204" pitchFamily="49" charset="0"/>
+              </a:rPr>
+              <a:t> </a:t>
+            </a:r>
+            <a:r>
+              <a:rPr lang="pt-BR" sz="1600" dirty="0" err="1">
+                <a:latin typeface="Consolas" panose="020B0609020204030204" pitchFamily="49" charset="0"/>
+              </a:rPr>
+              <a:t>ch</a:t>
+            </a:r>
+            <a:r>
+              <a:rPr lang="pt-BR" sz="1600" dirty="0">
+                <a:latin typeface="Consolas" panose="020B0609020204030204" pitchFamily="49" charset="0"/>
+              </a:rPr>
+              <a:t>;</a:t>
+            </a:r>
+          </a:p>
+          <a:p>
+            <a:r>
+              <a:rPr lang="pt-BR" sz="1600" dirty="0">
+                <a:latin typeface="Consolas" panose="020B0609020204030204" pitchFamily="49" charset="0"/>
+              </a:rPr>
+              <a:t>    </a:t>
+            </a:r>
+            <a:r>
+              <a:rPr lang="pt-BR" sz="1600" dirty="0" err="1">
+                <a:latin typeface="Consolas" panose="020B0609020204030204" pitchFamily="49" charset="0"/>
+              </a:rPr>
+              <a:t>ch</a:t>
+            </a:r>
+            <a:r>
+              <a:rPr lang="pt-BR" sz="1600" dirty="0">
+                <a:latin typeface="Consolas" panose="020B0609020204030204" pitchFamily="49" charset="0"/>
+              </a:rPr>
+              <a:t> = </a:t>
+            </a:r>
+            <a:r>
+              <a:rPr lang="pt-BR" sz="1600" dirty="0" err="1">
+                <a:latin typeface="Consolas" panose="020B0609020204030204" pitchFamily="49" charset="0"/>
+              </a:rPr>
+              <a:t>cin.get</a:t>
+            </a:r>
+            <a:r>
+              <a:rPr lang="pt-BR" sz="1600" dirty="0">
+                <a:latin typeface="Consolas" panose="020B0609020204030204" pitchFamily="49" charset="0"/>
+              </a:rPr>
+              <a:t>();</a:t>
+            </a:r>
+          </a:p>
+          <a:p>
+            <a:r>
+              <a:rPr lang="pt-BR" sz="1600" dirty="0">
+                <a:solidFill>
+                  <a:schemeClr val="accent3">
+                    <a:lumMod val="75000"/>
+                  </a:schemeClr>
+                </a:solidFill>
+                <a:latin typeface="Consolas" panose="020B0609020204030204" pitchFamily="49" charset="0"/>
+              </a:rPr>
+              <a:t>    </a:t>
+            </a:r>
+            <a:r>
+              <a:rPr lang="pt-BR" sz="1600" dirty="0" err="1">
+                <a:solidFill>
+                  <a:schemeClr val="bg2">
+                    <a:lumMod val="50000"/>
+                    <a:lumOff val="50000"/>
+                  </a:schemeClr>
+                </a:solidFill>
+                <a:latin typeface="Consolas" panose="020B0609020204030204" pitchFamily="49" charset="0"/>
+              </a:rPr>
+              <a:t>if</a:t>
+            </a:r>
+            <a:r>
+              <a:rPr lang="pt-BR" sz="1600" dirty="0">
+                <a:latin typeface="Consolas" panose="020B0609020204030204" pitchFamily="49" charset="0"/>
+              </a:rPr>
+              <a:t> (</a:t>
+            </a:r>
+            <a:r>
+              <a:rPr lang="pt-BR" sz="1600" dirty="0" err="1">
+                <a:solidFill>
+                  <a:schemeClr val="bg2">
+                    <a:lumMod val="25000"/>
+                    <a:lumOff val="75000"/>
+                  </a:schemeClr>
+                </a:solidFill>
+                <a:latin typeface="Consolas" panose="020B0609020204030204" pitchFamily="49" charset="0"/>
+              </a:rPr>
+              <a:t>isdigit</a:t>
+            </a:r>
+            <a:r>
+              <a:rPr lang="pt-BR" sz="1600" dirty="0">
+                <a:latin typeface="Consolas" panose="020B0609020204030204" pitchFamily="49" charset="0"/>
+              </a:rPr>
+              <a:t>(</a:t>
+            </a:r>
+            <a:r>
+              <a:rPr lang="pt-BR" sz="1600" dirty="0" err="1">
+                <a:latin typeface="Consolas" panose="020B0609020204030204" pitchFamily="49" charset="0"/>
+              </a:rPr>
+              <a:t>ch</a:t>
+            </a:r>
+            <a:r>
+              <a:rPr lang="pt-BR" sz="1600" dirty="0">
+                <a:latin typeface="Consolas" panose="020B0609020204030204" pitchFamily="49" charset="0"/>
+              </a:rPr>
+              <a:t>)) {</a:t>
+            </a:r>
+          </a:p>
+          <a:p>
+            <a:r>
+              <a:rPr lang="pt-BR" sz="1600" dirty="0">
+                <a:latin typeface="Consolas" panose="020B0609020204030204" pitchFamily="49" charset="0"/>
+              </a:rPr>
+              <a:t>      </a:t>
+            </a:r>
+            <a:r>
+              <a:rPr lang="pt-BR" sz="1600" dirty="0" err="1">
+                <a:latin typeface="Consolas" panose="020B0609020204030204" pitchFamily="49" charset="0"/>
+              </a:rPr>
+              <a:t>yylval</a:t>
+            </a:r>
+            <a:r>
+              <a:rPr lang="pt-BR" sz="1600" dirty="0">
+                <a:latin typeface="Consolas" panose="020B0609020204030204" pitchFamily="49" charset="0"/>
+              </a:rPr>
+              <a:t> = </a:t>
+            </a:r>
+            <a:r>
+              <a:rPr lang="pt-BR" sz="1600" dirty="0" err="1">
+                <a:latin typeface="Consolas" panose="020B0609020204030204" pitchFamily="49" charset="0"/>
+              </a:rPr>
+              <a:t>ch</a:t>
+            </a:r>
+            <a:r>
+              <a:rPr lang="pt-BR" sz="1600" dirty="0">
+                <a:latin typeface="Consolas" panose="020B0609020204030204" pitchFamily="49" charset="0"/>
+              </a:rPr>
+              <a:t> - </a:t>
+            </a:r>
+            <a:r>
+              <a:rPr lang="pt-BR" sz="1600" dirty="0">
+                <a:solidFill>
+                  <a:srgbClr val="FF7575"/>
+                </a:solidFill>
+                <a:latin typeface="Consolas" panose="020B0609020204030204" pitchFamily="49" charset="0"/>
+              </a:rPr>
+              <a:t>'0'</a:t>
+            </a:r>
+            <a:r>
+              <a:rPr lang="pt-BR" sz="1600" dirty="0">
+                <a:latin typeface="Consolas" panose="020B0609020204030204" pitchFamily="49" charset="0"/>
+              </a:rPr>
+              <a:t>;</a:t>
+            </a:r>
+          </a:p>
+          <a:p>
+            <a:r>
+              <a:rPr lang="pt-BR" sz="1600" dirty="0">
+                <a:latin typeface="Consolas" panose="020B0609020204030204" pitchFamily="49" charset="0"/>
+              </a:rPr>
+              <a:t>      </a:t>
+            </a:r>
+            <a:r>
+              <a:rPr lang="pt-BR" sz="1600" dirty="0">
+                <a:solidFill>
+                  <a:schemeClr val="bg2">
+                    <a:lumMod val="50000"/>
+                    <a:lumOff val="50000"/>
+                  </a:schemeClr>
+                </a:solidFill>
+                <a:latin typeface="Consolas" panose="020B0609020204030204" pitchFamily="49" charset="0"/>
+              </a:rPr>
+              <a:t>return</a:t>
+            </a:r>
+            <a:r>
+              <a:rPr lang="pt-BR" sz="1600" dirty="0">
+                <a:latin typeface="Consolas" panose="020B0609020204030204" pitchFamily="49" charset="0"/>
+              </a:rPr>
+              <a:t> </a:t>
+            </a:r>
+            <a:r>
+              <a:rPr lang="pt-BR" sz="1600" dirty="0">
+                <a:solidFill>
+                  <a:srgbClr val="FF7575"/>
+                </a:solidFill>
+                <a:latin typeface="Consolas" panose="020B0609020204030204" pitchFamily="49" charset="0"/>
+              </a:rPr>
+              <a:t>DIGIT</a:t>
+            </a:r>
+            <a:r>
+              <a:rPr lang="pt-BR" sz="1600" dirty="0">
+                <a:latin typeface="Consolas" panose="020B0609020204030204" pitchFamily="49" charset="0"/>
+              </a:rPr>
+              <a:t>;</a:t>
+            </a:r>
+          </a:p>
+          <a:p>
+            <a:r>
+              <a:rPr lang="pt-BR" sz="1600" dirty="0">
+                <a:latin typeface="Consolas" panose="020B0609020204030204" pitchFamily="49" charset="0"/>
+              </a:rPr>
+              <a:t>    }</a:t>
+            </a:r>
+          </a:p>
+          <a:p>
+            <a:r>
+              <a:rPr lang="pt-BR" sz="1600" dirty="0">
+                <a:latin typeface="Consolas" panose="020B0609020204030204" pitchFamily="49" charset="0"/>
+              </a:rPr>
+              <a:t>    </a:t>
+            </a:r>
+            <a:r>
+              <a:rPr lang="pt-BR" sz="1600" dirty="0">
+                <a:solidFill>
+                  <a:schemeClr val="bg2">
+                    <a:lumMod val="50000"/>
+                    <a:lumOff val="50000"/>
+                  </a:schemeClr>
+                </a:solidFill>
+                <a:latin typeface="Consolas" panose="020B0609020204030204" pitchFamily="49" charset="0"/>
+              </a:rPr>
+              <a:t>return</a:t>
+            </a:r>
+            <a:r>
+              <a:rPr lang="pt-BR" sz="1600" dirty="0">
+                <a:latin typeface="Consolas" panose="020B0609020204030204" pitchFamily="49" charset="0"/>
+              </a:rPr>
+              <a:t> </a:t>
+            </a:r>
+            <a:r>
+              <a:rPr lang="pt-BR" sz="1600" dirty="0" err="1">
+                <a:latin typeface="Consolas" panose="020B0609020204030204" pitchFamily="49" charset="0"/>
+              </a:rPr>
+              <a:t>ch</a:t>
+            </a:r>
+            <a:r>
+              <a:rPr lang="pt-BR" sz="1600" dirty="0">
+                <a:latin typeface="Consolas" panose="020B0609020204030204" pitchFamily="49" charset="0"/>
+              </a:rPr>
+              <a:t>;</a:t>
+            </a:r>
+          </a:p>
+          <a:p>
+            <a:r>
+              <a:rPr lang="pt-BR" sz="1600" dirty="0">
+                <a:latin typeface="Consolas" panose="020B0609020204030204" pitchFamily="49" charset="0"/>
+              </a:rPr>
+              <a:t>}</a:t>
+            </a:r>
+          </a:p>
+          <a:p>
+            <a:endParaRPr lang="pt-BR" sz="1600" dirty="0">
+              <a:latin typeface="Consolas" panose="020B0609020204030204" pitchFamily="49" charset="0"/>
+            </a:endParaRPr>
+          </a:p>
+          <a:p>
+            <a:r>
+              <a:rPr lang="pt-BR" sz="1600" dirty="0" err="1">
+                <a:solidFill>
+                  <a:schemeClr val="bg2">
+                    <a:lumMod val="50000"/>
+                    <a:lumOff val="50000"/>
+                  </a:schemeClr>
+                </a:solidFill>
+                <a:latin typeface="Consolas" panose="020B0609020204030204" pitchFamily="49" charset="0"/>
+              </a:rPr>
+              <a:t>int</a:t>
+            </a:r>
+            <a:r>
+              <a:rPr lang="pt-BR" sz="1600" dirty="0">
+                <a:latin typeface="Consolas" panose="020B0609020204030204" pitchFamily="49" charset="0"/>
+              </a:rPr>
+              <a:t> main() {         </a:t>
+            </a:r>
+            <a:r>
+              <a:rPr lang="pt-BR" sz="1600" dirty="0">
+                <a:solidFill>
+                  <a:schemeClr val="bg1">
+                    <a:lumMod val="65000"/>
+                    <a:lumOff val="35000"/>
+                  </a:schemeClr>
+                </a:solidFill>
+                <a:latin typeface="Consolas" panose="020B0609020204030204" pitchFamily="49" charset="0"/>
+              </a:rPr>
+              <a:t>// função principal chama o analisador sintático</a:t>
+            </a:r>
+            <a:endParaRPr lang="pt-BR" sz="1600" dirty="0">
+              <a:latin typeface="Consolas" panose="020B0609020204030204" pitchFamily="49" charset="0"/>
+            </a:endParaRPr>
+          </a:p>
+          <a:p>
+            <a:r>
+              <a:rPr lang="pt-BR" sz="1600" dirty="0">
+                <a:latin typeface="Consolas" panose="020B0609020204030204" pitchFamily="49" charset="0"/>
+              </a:rPr>
+              <a:t>    </a:t>
+            </a:r>
+            <a:r>
+              <a:rPr lang="pt-BR" sz="1600" dirty="0" err="1">
+                <a:solidFill>
+                  <a:schemeClr val="bg2">
+                    <a:lumMod val="25000"/>
+                    <a:lumOff val="75000"/>
+                  </a:schemeClr>
+                </a:solidFill>
+                <a:latin typeface="Consolas" panose="020B0609020204030204" pitchFamily="49" charset="0"/>
+              </a:rPr>
+              <a:t>yyparse</a:t>
+            </a:r>
+            <a:r>
+              <a:rPr lang="pt-BR" sz="1600" dirty="0">
+                <a:latin typeface="Consolas" panose="020B0609020204030204" pitchFamily="49" charset="0"/>
+              </a:rPr>
+              <a:t>();</a:t>
+            </a:r>
+          </a:p>
+          <a:p>
+            <a:r>
+              <a:rPr lang="pt-BR" sz="1600" dirty="0">
+                <a:latin typeface="Consolas" panose="020B0609020204030204" pitchFamily="49" charset="0"/>
+              </a:rPr>
+              <a:t>}</a:t>
+            </a:r>
+          </a:p>
+          <a:p>
+            <a:r>
+              <a:rPr lang="pt-BR" sz="1600" dirty="0">
+                <a:latin typeface="Consolas" panose="020B0609020204030204" pitchFamily="49" charset="0"/>
+              </a:rPr>
+              <a:t>                        </a:t>
+            </a:r>
+          </a:p>
+        </p:txBody>
+      </p:sp>
+    </p:spTree>
+    <p:extLst>
+      <p:ext uri="{BB962C8B-B14F-4D97-AF65-F5344CB8AC3E}">
+        <p14:creationId xmlns:p14="http://schemas.microsoft.com/office/powerpoint/2010/main" val="3153413767"/>
+      </p:ext>
+    </p:extLst>
+  </p:cSld>
+  <p:clrMapOvr>
+    <a:masterClrMapping/>
+  </p:clrMapOvr>
+  <p:transition spd="med">
+    <p:pull/>
+  </p:transition>
+</p:sld>
+</file>
+
+<file path=ppt/slides/slide11.xml><?xml version="1.0" encoding="utf-8"?>
+<p:sld xmlns:a="http://schemas.openxmlformats.org/drawingml/2006/main" xmlns:r="http://schemas.openxmlformats.org/officeDocument/2006/relationships" xmlns:p="http://schemas.openxmlformats.org/presentationml/2006/main">
+  <p:cSld>
+    <p:spTree>
+      <p:nvGrpSpPr>
+        <p:cNvPr id="1" name=""/>
+        <p:cNvGrpSpPr/>
+        <p:nvPr/>
+      </p:nvGrpSpPr>
+      <p:grpSpPr>
+        <a:xfrm>
+          <a:off x="0" y="0"/>
+          <a:ext cx="0" cy="0"/>
+          <a:chOff x="0" y="0"/>
+          <a:chExt cx="0" cy="0"/>
+        </a:xfrm>
+      </p:grpSpPr>
+      <p:sp>
+        <p:nvSpPr>
+          <p:cNvPr id="2" name="Título 1">
+            <a:extLst>
+              <a:ext uri="{FF2B5EF4-FFF2-40B4-BE49-F238E27FC236}">
                 <a16:creationId xmlns:a16="http://schemas.microsoft.com/office/drawing/2014/main" id="{EA552E49-90DA-440E-AF3B-55FE757822B2}"/>
               </a:ext>
             </a:extLst>
@@ -5947,7 +6634,7 @@
 </p:sld>
 </file>
 
-<file path=ppt/slides/slide11.xml><?xml version="1.0" encoding="utf-8"?>
+<file path=ppt/slides/slide12.xml><?xml version="1.0" encoding="utf-8"?>
 <p:sld xmlns:a="http://schemas.openxmlformats.org/drawingml/2006/main" xmlns:r="http://schemas.openxmlformats.org/officeDocument/2006/relationships" xmlns:p="http://schemas.openxmlformats.org/presentationml/2006/main">
   <p:cSld>
     <p:spTree>
@@ -6070,11 +6757,15 @@
               <a:t>Uma alternativa vazia denota </a:t>
             </a:r>
             <a:r>
-              <a:rPr lang="pt-BR" b="1" i="1" dirty="0">
+              <a:rPr lang="el-GR" b="1" dirty="0">
+                <a:latin typeface="Consolas" panose="020B0609020204030204" pitchFamily="49" charset="0"/>
                 <a:sym typeface="Symbol" panose="05050102010706020507" pitchFamily="18" charset="2"/>
               </a:rPr>
-              <a:t></a:t>
-            </a:r>
+              <a:t>ϵ</a:t>
+            </a:r>
+            <a:endParaRPr lang="pt-BR" b="1" dirty="0">
+              <a:sym typeface="Symbol" panose="05050102010706020507" pitchFamily="18" charset="2"/>
+            </a:endParaRPr>
           </a:p>
         </p:txBody>
       </p:sp>
@@ -6325,7 +7016,7 @@
 </p:sld>
 </file>
 
-<file path=ppt/slides/slide12.xml><?xml version="1.0" encoding="utf-8"?>
+<file path=ppt/slides/slide13.xml><?xml version="1.0" encoding="utf-8"?>
 <p:sld xmlns:a="http://schemas.openxmlformats.org/drawingml/2006/main" xmlns:r="http://schemas.openxmlformats.org/officeDocument/2006/relationships" xmlns:p="http://schemas.openxmlformats.org/presentationml/2006/main">
   <p:cSld>
     <p:spTree>
@@ -7322,7 +8013,7 @@
 </p:sld>
 </file>
 
-<file path=ppt/slides/slide13.xml><?xml version="1.0" encoding="utf-8"?>
+<file path=ppt/slides/slide14.xml><?xml version="1.0" encoding="utf-8"?>
 <p:sld xmlns:a="http://schemas.openxmlformats.org/drawingml/2006/main" xmlns:r="http://schemas.openxmlformats.org/officeDocument/2006/relationships" xmlns:p="http://schemas.openxmlformats.org/presentationml/2006/main">
   <p:cSld>
     <p:spTree>
@@ -7663,7 +8354,7 @@
 </p:sld>
 </file>
 
-<file path=ppt/slides/slide14.xml><?xml version="1.0" encoding="utf-8"?>
+<file path=ppt/slides/slide15.xml><?xml version="1.0" encoding="utf-8"?>
 <p:sld xmlns:a="http://schemas.openxmlformats.org/drawingml/2006/main" xmlns:r="http://schemas.openxmlformats.org/officeDocument/2006/relationships" xmlns:p="http://schemas.openxmlformats.org/presentationml/2006/main">
   <p:cSld>
     <p:spTree>
@@ -8128,7 +8819,7 @@
 </p:sld>
 </file>
 
-<file path=ppt/slides/slide15.xml><?xml version="1.0" encoding="utf-8"?>
+<file path=ppt/slides/slide16.xml><?xml version="1.0" encoding="utf-8"?>
 <p:sld xmlns:a="http://schemas.openxmlformats.org/drawingml/2006/main" xmlns:r="http://schemas.openxmlformats.org/officeDocument/2006/relationships" xmlns:p="http://schemas.openxmlformats.org/presentationml/2006/main">
   <p:cSld>
     <p:spTree>
@@ -9335,7 +10026,7 @@
 </p:sld>
 </file>
 
-<file path=ppt/slides/slide16.xml><?xml version="1.0" encoding="utf-8"?>
+<file path=ppt/slides/slide17.xml><?xml version="1.0" encoding="utf-8"?>
 <p:sld xmlns:a="http://schemas.openxmlformats.org/drawingml/2006/main" xmlns:r="http://schemas.openxmlformats.org/officeDocument/2006/relationships" xmlns:p="http://schemas.openxmlformats.org/presentationml/2006/main">
   <p:cSld>
     <p:spTree>
@@ -10435,7 +11126,7 @@
 </p:sld>
 </file>
 
-<file path=ppt/slides/slide17.xml><?xml version="1.0" encoding="utf-8"?>
+<file path=ppt/slides/slide18.xml><?xml version="1.0" encoding="utf-8"?>
 <p:sld xmlns:a="http://schemas.openxmlformats.org/drawingml/2006/main" xmlns:r="http://schemas.openxmlformats.org/officeDocument/2006/relationships" xmlns:p="http://schemas.openxmlformats.org/presentationml/2006/main">
   <p:cSld>
     <p:spTree>
@@ -10535,6 +11226,10 @@
           </a:p>
           <a:p>
             <a:pPr lvl="1"/>
+            <a:endParaRPr lang="pt-BR" dirty="0"/>
+          </a:p>
+          <a:p>
+            <a:pPr lvl="1"/>
             <a:r>
               <a:rPr lang="pt-BR" dirty="0"/>
               <a:t>Supõem-se que o terminal foi definido na seção de declarações </a:t>
@@ -10551,6 +11246,7 @@
                 <a:solidFill>
                   <a:srgbClr val="FF7575"/>
                 </a:solidFill>
+                <a:latin typeface="Consolas" panose="020B0609020204030204" pitchFamily="49" charset="0"/>
               </a:rPr>
               <a:t>UMINUS</a:t>
             </a:r>
@@ -10571,7 +11267,7 @@
         </p:nvSpPr>
         <p:spPr>
           <a:xfrm>
-            <a:off x="1341884" y="2996952"/>
+            <a:off x="1559024" y="2903150"/>
             <a:ext cx="2210862" cy="369332"/>
           </a:xfrm>
           <a:prstGeom prst="rect">
@@ -10643,7 +11339,7 @@
         </p:nvSpPr>
         <p:spPr>
           <a:xfrm>
-            <a:off x="1629916" y="4725144"/>
+            <a:off x="1629916" y="5048071"/>
             <a:ext cx="2880320" cy="1200329"/>
           </a:xfrm>
           <a:prstGeom prst="rect">
@@ -11011,6 +11707,176 @@
           </p:txBody>
         </p:sp>
       </p:grpSp>
+      <p:sp>
+        <p:nvSpPr>
+          <p:cNvPr id="12" name="CaixaDeTexto 11">
+            <a:extLst>
+              <a:ext uri="{FF2B5EF4-FFF2-40B4-BE49-F238E27FC236}">
+                <a16:creationId xmlns:a16="http://schemas.microsoft.com/office/drawing/2014/main" id="{51D97CEE-2153-4D46-ADE4-402418333116}"/>
+              </a:ext>
+            </a:extLst>
+          </p:cNvPr>
+          <p:cNvSpPr txBox="1"/>
+          <p:nvPr/>
+        </p:nvSpPr>
+        <p:spPr>
+          <a:xfrm>
+            <a:off x="1557908" y="3407964"/>
+            <a:ext cx="6119132" cy="369332"/>
+          </a:xfrm>
+          <a:prstGeom prst="rect">
+            <a:avLst/>
+          </a:prstGeom>
+          <a:noFill/>
+        </p:spPr>
+        <p:txBody>
+          <a:bodyPr wrap="square">
+            <a:spAutoFit/>
+          </a:bodyPr>
+          <a:lstStyle/>
+          <a:p>
+            <a:r>
+              <a:rPr lang="pt-BR" dirty="0" err="1">
+                <a:latin typeface="Consolas" panose="020B0609020204030204" pitchFamily="49" charset="0"/>
+              </a:rPr>
+              <a:t>expr</a:t>
+            </a:r>
+            <a:r>
+              <a:rPr lang="pt-BR" dirty="0">
+                <a:latin typeface="Consolas" panose="020B0609020204030204" pitchFamily="49" charset="0"/>
+              </a:rPr>
+              <a:t> : </a:t>
+            </a:r>
+            <a:r>
+              <a:rPr lang="pt-BR" dirty="0">
+                <a:solidFill>
+                  <a:srgbClr val="FF7575"/>
+                </a:solidFill>
+                <a:latin typeface="Consolas" panose="020B0609020204030204" pitchFamily="49" charset="0"/>
+              </a:rPr>
+              <a:t>'-' </a:t>
+            </a:r>
+            <a:r>
+              <a:rPr lang="pt-BR" dirty="0" err="1">
+                <a:solidFill>
+                  <a:schemeClr val="bg2">
+                    <a:lumMod val="50000"/>
+                    <a:lumOff val="50000"/>
+                  </a:schemeClr>
+                </a:solidFill>
+                <a:latin typeface="Consolas" panose="020B0609020204030204" pitchFamily="49" charset="0"/>
+              </a:rPr>
+              <a:t>expr</a:t>
+            </a:r>
+            <a:r>
+              <a:rPr lang="pt-BR" dirty="0">
+                <a:latin typeface="Consolas" panose="020B0609020204030204" pitchFamily="49" charset="0"/>
+              </a:rPr>
+              <a:t> </a:t>
+            </a:r>
+            <a:r>
+              <a:rPr lang="pt-BR" dirty="0">
+                <a:solidFill>
+                  <a:schemeClr val="bg2">
+                    <a:lumMod val="25000"/>
+                    <a:lumOff val="75000"/>
+                  </a:schemeClr>
+                </a:solidFill>
+                <a:latin typeface="Consolas" panose="020B0609020204030204" pitchFamily="49" charset="0"/>
+              </a:rPr>
+              <a:t>%</a:t>
+            </a:r>
+            <a:r>
+              <a:rPr lang="pt-BR" dirty="0" err="1">
+                <a:solidFill>
+                  <a:schemeClr val="bg2">
+                    <a:lumMod val="25000"/>
+                    <a:lumOff val="75000"/>
+                  </a:schemeClr>
+                </a:solidFill>
+                <a:latin typeface="Consolas" panose="020B0609020204030204" pitchFamily="49" charset="0"/>
+              </a:rPr>
+              <a:t>prec</a:t>
+            </a:r>
+            <a:r>
+              <a:rPr lang="pt-BR" dirty="0">
+                <a:latin typeface="Consolas" panose="020B0609020204030204" pitchFamily="49" charset="0"/>
+              </a:rPr>
+              <a:t> </a:t>
+            </a:r>
+            <a:r>
+              <a:rPr lang="pt-BR" dirty="0">
+                <a:solidFill>
+                  <a:srgbClr val="FF7575"/>
+                </a:solidFill>
+                <a:latin typeface="Consolas" panose="020B0609020204030204" pitchFamily="49" charset="0"/>
+              </a:rPr>
+              <a:t>UMINUS</a:t>
+            </a:r>
+            <a:r>
+              <a:rPr lang="pt-BR" dirty="0">
+                <a:latin typeface="Consolas" panose="020B0609020204030204" pitchFamily="49" charset="0"/>
+              </a:rPr>
+              <a:t> { </a:t>
+            </a:r>
+            <a:r>
+              <a:rPr lang="pt-BR" dirty="0">
+                <a:solidFill>
+                  <a:schemeClr val="bg2">
+                    <a:lumMod val="25000"/>
+                    <a:lumOff val="75000"/>
+                  </a:schemeClr>
+                </a:solidFill>
+                <a:latin typeface="Consolas" panose="020B0609020204030204" pitchFamily="49" charset="0"/>
+              </a:rPr>
+              <a:t>$$</a:t>
+            </a:r>
+            <a:r>
+              <a:rPr lang="pt-BR" dirty="0">
+                <a:latin typeface="Consolas" panose="020B0609020204030204" pitchFamily="49" charset="0"/>
+              </a:rPr>
+              <a:t> = -</a:t>
+            </a:r>
+            <a:r>
+              <a:rPr lang="pt-BR" dirty="0">
+                <a:solidFill>
+                  <a:schemeClr val="bg2">
+                    <a:lumMod val="25000"/>
+                    <a:lumOff val="75000"/>
+                  </a:schemeClr>
+                </a:solidFill>
+                <a:latin typeface="Consolas" panose="020B0609020204030204" pitchFamily="49" charset="0"/>
+              </a:rPr>
+              <a:t>$2</a:t>
+            </a:r>
+            <a:r>
+              <a:rPr lang="pt-BR" dirty="0">
+                <a:latin typeface="Consolas" panose="020B0609020204030204" pitchFamily="49" charset="0"/>
+              </a:rPr>
+              <a:t>;</a:t>
+            </a:r>
+            <a:r>
+              <a:rPr lang="pt-BR" dirty="0">
+                <a:solidFill>
+                  <a:schemeClr val="bg1">
+                    <a:lumMod val="65000"/>
+                    <a:lumOff val="35000"/>
+                  </a:schemeClr>
+                </a:solidFill>
+                <a:latin typeface="Consolas" panose="020B0609020204030204" pitchFamily="49" charset="0"/>
+              </a:rPr>
+              <a:t> </a:t>
+            </a:r>
+            <a:r>
+              <a:rPr lang="pt-BR" dirty="0">
+                <a:latin typeface="Consolas" panose="020B0609020204030204" pitchFamily="49" charset="0"/>
+              </a:rPr>
+              <a:t>}</a:t>
+            </a:r>
+            <a:endParaRPr lang="pt-BR" dirty="0"/>
+          </a:p>
+        </p:txBody>
+      </p:sp>
     </p:spTree>
     <p:extLst>
       <p:ext uri="{BB962C8B-B14F-4D97-AF65-F5344CB8AC3E}">
@@ -11027,7 +11893,7 @@
 </p:sld>
 </file>
 
-<file path=ppt/slides/slide18.xml><?xml version="1.0" encoding="utf-8"?>
+<file path=ppt/slides/slide19.xml><?xml version="1.0" encoding="utf-8"?>
 <p:sld xmlns:a="http://schemas.openxmlformats.org/drawingml/2006/main" xmlns:r="http://schemas.openxmlformats.org/officeDocument/2006/relationships" xmlns:p="http://schemas.openxmlformats.org/presentationml/2006/main">
   <p:cSld>
     <p:spTree>
@@ -11397,6 +12263,11 @@
           </a:bodyPr>
           <a:lstStyle/>
           <a:p>
+            <a:pPr>
+              <a:spcAft>
+                <a:spcPts val="1800"/>
+              </a:spcAft>
+            </a:pPr>
             <a:r>
               <a:rPr lang="pt-BR" dirty="0"/>
               <a:t>Um </a:t>
@@ -11423,7 +12294,7 @@
                 <a:latin typeface="Courier New" panose="02070309020205020404" pitchFamily="49" charset="0"/>
                 <a:cs typeface="Courier New" panose="02070309020205020404" pitchFamily="49" charset="0"/>
               </a:rPr>
-              <a:t>Bison</a:t>
+              <a:t>Yacc</a:t>
             </a:r>
             <a:endParaRPr lang="pt-BR" dirty="0"/>
           </a:p>
@@ -11431,7 +12302,7 @@
             <a:pPr lvl="2"/>
             <a:r>
               <a:rPr lang="pt-BR" dirty="0"/>
-              <a:t>É uma </a:t>
+              <a:t>Foi </a:t>
             </a:r>
             <a:r>
               <a:rPr lang="pt-BR" dirty="0">
@@ -11441,35 +12312,33 @@
                   </a:schemeClr>
                 </a:solidFill>
               </a:rPr>
-              <a:t>implementação mais recentes </a:t>
-            </a:r>
-            <a:r>
-              <a:rPr lang="pt-BR" dirty="0"/>
-              <a:t>do </a:t>
+              <a:t>criado</a:t>
+            </a:r>
+            <a:r>
+              <a:rPr lang="pt-BR" dirty="0"/>
+              <a:t> por Stephen Johnson do Bell </a:t>
             </a:r>
             <a:r>
               <a:rPr lang="pt-BR" dirty="0" err="1"/>
-              <a:t>Yacc</a:t>
-            </a:r>
-            <a:endParaRPr lang="pt-BR" dirty="0"/>
+              <a:t>Labs</a:t>
+            </a:r>
+            <a:r>
+              <a:rPr lang="pt-BR" dirty="0"/>
+              <a:t> </a:t>
+            </a:r>
+            <a:r>
+              <a:rPr lang="pt-BR" dirty="0">
+                <a:solidFill>
+                  <a:schemeClr val="accent1">
+                    <a:lumMod val="75000"/>
+                  </a:schemeClr>
+                </a:solidFill>
+              </a:rPr>
+              <a:t>para o Unix nos anos 70</a:t>
+            </a:r>
           </a:p>
           <a:p>
             <a:pPr lvl="2"/>
-            <a:r>
-              <a:rPr lang="pt-BR" dirty="0"/>
-              <a:t>Derivado do Berkeley </a:t>
-            </a:r>
-            <a:r>
-              <a:rPr lang="pt-BR" dirty="0" err="1"/>
-              <a:t>Yacc</a:t>
-            </a:r>
-            <a:r>
-              <a:rPr lang="pt-BR" dirty="0"/>
-              <a:t> </a:t>
-            </a:r>
-          </a:p>
-          <a:p>
-            <a:pPr lvl="1"/>
             <a:r>
               <a:rPr lang="pt-BR" dirty="0" err="1">
                 <a:latin typeface="Courier New" panose="02070309020205020404" pitchFamily="49" charset="0"/>
@@ -11477,13 +12346,47 @@
               </a:rPr>
               <a:t>Yacc</a:t>
             </a:r>
-            <a:endParaRPr lang="pt-BR" dirty="0"/>
+            <a:r>
+              <a:rPr lang="pt-BR" dirty="0"/>
+              <a:t> significa "</a:t>
+            </a:r>
+            <a:r>
+              <a:rPr lang="pt-BR" dirty="0" err="1"/>
+              <a:t>Yet</a:t>
+            </a:r>
+            <a:r>
+              <a:rPr lang="pt-BR" dirty="0"/>
+              <a:t> </a:t>
+            </a:r>
+            <a:r>
+              <a:rPr lang="pt-BR" dirty="0" err="1"/>
+              <a:t>another</a:t>
+            </a:r>
+            <a:r>
+              <a:rPr lang="pt-BR" dirty="0"/>
+              <a:t> </a:t>
+            </a:r>
+            <a:r>
+              <a:rPr lang="pt-BR" dirty="0" err="1"/>
+              <a:t>compiler-compiler</a:t>
+            </a:r>
+            <a:r>
+              <a:rPr lang="pt-BR" dirty="0"/>
+              <a:t>"</a:t>
+            </a:r>
           </a:p>
           <a:p>
             <a:pPr lvl="2"/>
             <a:r>
               <a:rPr lang="pt-BR" dirty="0"/>
-              <a:t>Foi </a:t>
+              <a:t>Se destacou por combinar: </a:t>
+            </a:r>
+          </a:p>
+          <a:p>
+            <a:pPr lvl="3"/>
+            <a:r>
+              <a:rPr lang="pt-BR" dirty="0"/>
+              <a:t>Uma sólida fundamentação teórica baseada no trabalho de </a:t>
             </a:r>
             <a:r>
               <a:rPr lang="pt-BR" dirty="0">
@@ -11493,89 +12396,19 @@
                   </a:schemeClr>
                 </a:solidFill>
               </a:rPr>
-              <a:t>criado</a:t>
-            </a:r>
-            <a:r>
-              <a:rPr lang="pt-BR" dirty="0"/>
-              <a:t> por Stephen Johnson do Bell </a:t>
-            </a:r>
-            <a:r>
-              <a:rPr lang="pt-BR" dirty="0" err="1"/>
-              <a:t>Labs</a:t>
-            </a:r>
-            <a:r>
-              <a:rPr lang="pt-BR" dirty="0"/>
-              <a:t> </a:t>
-            </a:r>
-            <a:r>
-              <a:rPr lang="pt-BR" dirty="0">
-                <a:solidFill>
-                  <a:schemeClr val="accent1">
-                    <a:lumMod val="75000"/>
-                  </a:schemeClr>
-                </a:solidFill>
-              </a:rPr>
-              <a:t>para o Unix nos anos 70</a:t>
+              <a:t>Donald E. Knuth</a:t>
+            </a:r>
+          </a:p>
+          <a:p>
+            <a:pPr lvl="3"/>
+            <a:r>
+              <a:rPr lang="pt-BR" dirty="0"/>
+              <a:t>Uma conveniente sintaxe de entrada</a:t>
             </a:r>
           </a:p>
           <a:p>
             <a:pPr lvl="2"/>
-            <a:r>
-              <a:rPr lang="pt-BR" dirty="0" err="1">
-                <a:latin typeface="Courier New" panose="02070309020205020404" pitchFamily="49" charset="0"/>
-                <a:cs typeface="Courier New" panose="02070309020205020404" pitchFamily="49" charset="0"/>
-              </a:rPr>
-              <a:t>Yacc</a:t>
-            </a:r>
-            <a:r>
-              <a:rPr lang="pt-BR" dirty="0"/>
-              <a:t> significa "</a:t>
-            </a:r>
-            <a:r>
-              <a:rPr lang="pt-BR" dirty="0" err="1"/>
-              <a:t>Yet</a:t>
-            </a:r>
-            <a:r>
-              <a:rPr lang="pt-BR" dirty="0"/>
-              <a:t> </a:t>
-            </a:r>
-            <a:r>
-              <a:rPr lang="pt-BR" dirty="0" err="1"/>
-              <a:t>another</a:t>
-            </a:r>
-            <a:r>
-              <a:rPr lang="pt-BR" dirty="0"/>
-              <a:t> </a:t>
-            </a:r>
-            <a:r>
-              <a:rPr lang="pt-BR" dirty="0" err="1"/>
-              <a:t>compiler-compiler</a:t>
-            </a:r>
-            <a:r>
-              <a:rPr lang="pt-BR" dirty="0"/>
-              <a:t>"</a:t>
-            </a:r>
-          </a:p>
-          <a:p>
-            <a:pPr lvl="2"/>
-            <a:r>
-              <a:rPr lang="pt-BR" dirty="0"/>
-              <a:t>O nome reflete a </a:t>
-            </a:r>
-            <a:r>
-              <a:rPr lang="pt-BR" dirty="0">
-                <a:solidFill>
-                  <a:schemeClr val="accent1">
-                    <a:lumMod val="75000"/>
-                  </a:schemeClr>
-                </a:solidFill>
-              </a:rPr>
-              <a:t>popularidade</a:t>
-            </a:r>
-            <a:r>
-              <a:rPr lang="pt-BR" dirty="0"/>
-              <a:t> dessas ferramentas na época</a:t>
-            </a:r>
+            <a:endParaRPr lang="pt-BR" dirty="0"/>
           </a:p>
           <a:p>
             <a:endParaRPr lang="pt-BR" dirty="0"/>
@@ -11621,6 +12454,293 @@
 </file>
 
 <file path=ppt/slides/slide3.xml><?xml version="1.0" encoding="utf-8"?>
+<p:sld xmlns:a="http://schemas.openxmlformats.org/drawingml/2006/main" xmlns:r="http://schemas.openxmlformats.org/officeDocument/2006/relationships" xmlns:p="http://schemas.openxmlformats.org/presentationml/2006/main">
+  <p:cSld>
+    <p:spTree>
+      <p:nvGrpSpPr>
+        <p:cNvPr id="1" name=""/>
+        <p:cNvGrpSpPr/>
+        <p:nvPr/>
+      </p:nvGrpSpPr>
+      <p:grpSpPr>
+        <a:xfrm>
+          <a:off x="0" y="0"/>
+          <a:ext cx="0" cy="0"/>
+          <a:chOff x="0" y="0"/>
+          <a:chExt cx="0" cy="0"/>
+        </a:xfrm>
+      </p:grpSpPr>
+      <p:sp>
+        <p:nvSpPr>
+          <p:cNvPr id="2" name="Título 1">
+            <a:extLst>
+              <a:ext uri="{FF2B5EF4-FFF2-40B4-BE49-F238E27FC236}">
+                <a16:creationId xmlns:a16="http://schemas.microsoft.com/office/drawing/2014/main" id="{6DEDAA34-610C-4134-84BE-EA79EE0FE2CC}"/>
+              </a:ext>
+            </a:extLst>
+          </p:cNvPr>
+          <p:cNvSpPr>
+            <a:spLocks noGrp="1"/>
+          </p:cNvSpPr>
+          <p:nvPr>
+            <p:ph type="title"/>
+          </p:nvPr>
+        </p:nvSpPr>
+        <p:spPr/>
+        <p:txBody>
+          <a:bodyPr/>
+          <a:lstStyle/>
+          <a:p>
+            <a:r>
+              <a:rPr lang="pt-BR" dirty="0"/>
+              <a:t>Introdução</a:t>
+            </a:r>
+          </a:p>
+        </p:txBody>
+      </p:sp>
+      <p:sp>
+        <p:nvSpPr>
+          <p:cNvPr id="3" name="Espaço Reservado para Conteúdo 2">
+            <a:extLst>
+              <a:ext uri="{FF2B5EF4-FFF2-40B4-BE49-F238E27FC236}">
+                <a16:creationId xmlns:a16="http://schemas.microsoft.com/office/drawing/2014/main" id="{E35E1823-2E88-4E53-B709-4F7B8EE2F069}"/>
+              </a:ext>
+            </a:extLst>
+          </p:cNvPr>
+          <p:cNvSpPr>
+            <a:spLocks noGrp="1"/>
+          </p:cNvSpPr>
+          <p:nvPr>
+            <p:ph idx="1"/>
+          </p:nvPr>
+        </p:nvSpPr>
+        <p:spPr/>
+        <p:txBody>
+          <a:bodyPr>
+            <a:normAutofit/>
+          </a:bodyPr>
+          <a:lstStyle/>
+          <a:p>
+            <a:pPr>
+              <a:spcAft>
+                <a:spcPts val="1800"/>
+              </a:spcAft>
+            </a:pPr>
+            <a:r>
+              <a:rPr lang="pt-BR" dirty="0"/>
+              <a:t>Um </a:t>
+            </a:r>
+            <a:r>
+              <a:rPr lang="pt-BR" dirty="0">
+                <a:solidFill>
+                  <a:schemeClr val="accent1">
+                    <a:lumMod val="75000"/>
+                  </a:schemeClr>
+                </a:solidFill>
+              </a:rPr>
+              <a:t>gerador de analisador sintático </a:t>
+            </a:r>
+            <a:r>
+              <a:rPr lang="pt-BR" dirty="0"/>
+              <a:t>simplifica e agiliza a construção de um compilador</a:t>
+            </a:r>
+          </a:p>
+          <a:p>
+            <a:pPr lvl="1"/>
+            <a:r>
+              <a:rPr lang="pt-BR" dirty="0" err="1">
+                <a:latin typeface="Courier New" panose="02070309020205020404" pitchFamily="49" charset="0"/>
+                <a:cs typeface="Courier New" panose="02070309020205020404" pitchFamily="49" charset="0"/>
+              </a:rPr>
+              <a:t>Bison</a:t>
+            </a:r>
+            <a:endParaRPr lang="pt-BR" dirty="0"/>
+          </a:p>
+          <a:p>
+            <a:pPr lvl="2"/>
+            <a:r>
+              <a:rPr lang="pt-BR" dirty="0"/>
+              <a:t>Em 1985, um estudante de graduação chamado Bob </a:t>
+            </a:r>
+            <a:r>
+              <a:rPr lang="pt-BR" dirty="0" err="1"/>
+              <a:t>Corbett</a:t>
+            </a:r>
+            <a:r>
+              <a:rPr lang="pt-BR" dirty="0"/>
+              <a:t> criou uma </a:t>
+            </a:r>
+            <a:br>
+              <a:rPr lang="pt-BR" dirty="0"/>
+            </a:br>
+            <a:r>
+              <a:rPr lang="pt-BR" dirty="0">
+                <a:solidFill>
+                  <a:schemeClr val="accent1">
+                    <a:lumMod val="75000"/>
+                  </a:schemeClr>
+                </a:solidFill>
+              </a:rPr>
+              <a:t>versão livre </a:t>
+            </a:r>
+            <a:r>
+              <a:rPr lang="pt-BR" dirty="0"/>
+              <a:t>e mais rápida do </a:t>
+            </a:r>
+            <a:r>
+              <a:rPr lang="pt-BR" dirty="0" err="1"/>
+              <a:t>Yacc</a:t>
+            </a:r>
+            <a:r>
+              <a:rPr lang="pt-BR" dirty="0"/>
+              <a:t>, chamada hoje de </a:t>
+            </a:r>
+            <a:r>
+              <a:rPr lang="pt-BR" dirty="0">
+                <a:solidFill>
+                  <a:schemeClr val="accent1">
+                    <a:lumMod val="75000"/>
+                  </a:schemeClr>
+                </a:solidFill>
+              </a:rPr>
+              <a:t>Berkeley </a:t>
+            </a:r>
+            <a:r>
+              <a:rPr lang="pt-BR" dirty="0" err="1">
+                <a:solidFill>
+                  <a:schemeClr val="accent1">
+                    <a:lumMod val="75000"/>
+                  </a:schemeClr>
+                </a:solidFill>
+              </a:rPr>
+              <a:t>Yacc</a:t>
+            </a:r>
+            <a:r>
+              <a:rPr lang="pt-BR" dirty="0">
+                <a:solidFill>
+                  <a:schemeClr val="accent1">
+                    <a:lumMod val="75000"/>
+                  </a:schemeClr>
+                </a:solidFill>
+              </a:rPr>
+              <a:t> </a:t>
+            </a:r>
+          </a:p>
+          <a:p>
+            <a:pPr lvl="2"/>
+            <a:r>
+              <a:rPr lang="pt-BR" dirty="0"/>
+              <a:t>O GNU Project integrou e continuou a melhorar o projeto de </a:t>
+            </a:r>
+            <a:r>
+              <a:rPr lang="pt-BR" dirty="0" err="1"/>
+              <a:t>Corbett</a:t>
+            </a:r>
+            <a:r>
+              <a:rPr lang="pt-BR" dirty="0"/>
+              <a:t>, </a:t>
+            </a:r>
+            <a:br>
+              <a:rPr lang="pt-BR" dirty="0"/>
+            </a:br>
+            <a:r>
+              <a:rPr lang="pt-BR" dirty="0"/>
+              <a:t>no que é hoje conhecido como GNU </a:t>
+            </a:r>
+            <a:r>
+              <a:rPr lang="pt-BR" dirty="0" err="1"/>
+              <a:t>Bison</a:t>
+            </a:r>
+            <a:r>
+              <a:rPr lang="pt-BR" dirty="0"/>
+              <a:t> </a:t>
+            </a:r>
+          </a:p>
+          <a:p>
+            <a:pPr lvl="2"/>
+            <a:r>
+              <a:rPr lang="pt-BR" dirty="0"/>
+              <a:t>É uma </a:t>
+            </a:r>
+            <a:r>
+              <a:rPr lang="pt-BR" dirty="0">
+                <a:solidFill>
+                  <a:schemeClr val="accent1">
+                    <a:lumMod val="75000"/>
+                  </a:schemeClr>
+                </a:solidFill>
+              </a:rPr>
+              <a:t>implementação mais recentes </a:t>
+            </a:r>
+            <a:r>
+              <a:rPr lang="pt-BR" dirty="0"/>
+              <a:t>do </a:t>
+            </a:r>
+            <a:r>
+              <a:rPr lang="pt-BR" dirty="0" err="1"/>
+              <a:t>Yacc</a:t>
+            </a:r>
+            <a:endParaRPr lang="pt-BR" dirty="0"/>
+          </a:p>
+          <a:p>
+            <a:pPr lvl="2"/>
+            <a:r>
+              <a:rPr lang="pt-BR" dirty="0"/>
+              <a:t>Derivado do Berkeley </a:t>
+            </a:r>
+            <a:r>
+              <a:rPr lang="pt-BR" dirty="0" err="1"/>
+              <a:t>Yacc</a:t>
+            </a:r>
+            <a:r>
+              <a:rPr lang="pt-BR" dirty="0"/>
+              <a:t> </a:t>
+            </a:r>
+          </a:p>
+          <a:p>
+            <a:endParaRPr lang="pt-BR" dirty="0"/>
+          </a:p>
+          <a:p>
+            <a:pPr lvl="1"/>
+            <a:endParaRPr lang="pt-BR" dirty="0">
+              <a:solidFill>
+                <a:schemeClr val="accent1">
+                  <a:lumMod val="75000"/>
+                </a:schemeClr>
+              </a:solidFill>
+            </a:endParaRPr>
+          </a:p>
+          <a:p>
+            <a:pPr lvl="1"/>
+            <a:endParaRPr lang="pt-BR" dirty="0"/>
+          </a:p>
+          <a:p>
+            <a:pPr lvl="1"/>
+            <a:endParaRPr lang="pt-BR" dirty="0"/>
+          </a:p>
+          <a:p>
+            <a:pPr lvl="1"/>
+            <a:endParaRPr lang="pt-BR" dirty="0"/>
+          </a:p>
+        </p:txBody>
+      </p:sp>
+    </p:spTree>
+    <p:extLst>
+      <p:ext uri="{BB962C8B-B14F-4D97-AF65-F5344CB8AC3E}">
+        <p14:creationId xmlns:p14="http://schemas.microsoft.com/office/powerpoint/2010/main" val="3671751087"/>
+      </p:ext>
+    </p:extLst>
+  </p:cSld>
+  <p:clrMapOvr>
+    <a:masterClrMapping/>
+  </p:clrMapOvr>
+  <p:transition spd="med">
+    <p:pull/>
+  </p:transition>
+</p:sld>
+</file>
+
+<file path=ppt/slides/slide4.xml><?xml version="1.0" encoding="utf-8"?>
 <p:sld xmlns:a="http://schemas.openxmlformats.org/drawingml/2006/main" xmlns:r="http://schemas.openxmlformats.org/officeDocument/2006/relationships" xmlns:p="http://schemas.openxmlformats.org/presentationml/2006/main">
   <p:cSld>
     <p:spTree>
@@ -12669,7 +13789,7 @@
 </p:sld>
 </file>
 
-<file path=ppt/slides/slide4.xml><?xml version="1.0" encoding="utf-8"?>
+<file path=ppt/slides/slide5.xml><?xml version="1.0" encoding="utf-8"?>
 <p:sld xmlns:a="http://schemas.openxmlformats.org/drawingml/2006/main" xmlns:r="http://schemas.openxmlformats.org/officeDocument/2006/relationships" xmlns:p="http://schemas.openxmlformats.org/presentationml/2006/main">
   <p:cSld>
     <p:spTree>
@@ -12927,7 +14047,7 @@
           <p:nvPr>
             <p:extLst>
               <p:ext uri="{D42A27DB-BD31-4B8C-83A1-F6EECF244321}">
-                <p14:modId xmlns:p14="http://schemas.microsoft.com/office/powerpoint/2010/main" val="3521256671"/>
+                <p14:modId xmlns:p14="http://schemas.microsoft.com/office/powerpoint/2010/main" val="3478699771"/>
               </p:ext>
             </p:extLst>
           </p:nvPr>
@@ -13011,10 +14131,7 @@
                       <a:r>
                         <a:rPr lang="pt-BR" sz="1600" dirty="0">
                           <a:solidFill>
-                            <a:schemeClr val="bg1">
-                              <a:lumMod val="50000"/>
-                              <a:lumOff val="50000"/>
-                            </a:schemeClr>
+                            <a:schemeClr val="tx1"/>
                           </a:solidFill>
                           <a:latin typeface="Consolas" panose="020B0609020204030204" pitchFamily="49" charset="0"/>
                           <a:sym typeface="Wingdings 3" panose="05040102010807070707" pitchFamily="18" charset="2"/>
@@ -13023,10 +14140,7 @@
                       </a:r>
                       <a:endParaRPr lang="pt-BR" sz="1600" dirty="0">
                         <a:solidFill>
-                          <a:schemeClr val="bg1">
-                            <a:lumMod val="50000"/>
-                            <a:lumOff val="50000"/>
-                          </a:schemeClr>
+                          <a:schemeClr val="tx1"/>
                         </a:solidFill>
                       </a:endParaRPr>
                     </a:p>
@@ -13164,10 +14278,7 @@
                       <a:r>
                         <a:rPr lang="pt-BR" sz="1600" dirty="0">
                           <a:solidFill>
-                            <a:schemeClr val="bg1">
-                              <a:lumMod val="50000"/>
-                              <a:lumOff val="50000"/>
-                            </a:schemeClr>
+                            <a:schemeClr val="tx1"/>
                           </a:solidFill>
                           <a:latin typeface="Consolas" panose="020B0609020204030204" pitchFamily="49" charset="0"/>
                         </a:rPr>
@@ -13175,10 +14286,7 @@
                       </a:r>
                       <a:endParaRPr lang="pt-BR" sz="1600" dirty="0">
                         <a:solidFill>
-                          <a:schemeClr val="bg1">
-                            <a:lumMod val="50000"/>
-                            <a:lumOff val="50000"/>
-                          </a:schemeClr>
+                          <a:schemeClr val="tx1"/>
                         </a:solidFill>
                       </a:endParaRPr>
                     </a:p>
@@ -13295,10 +14403,7 @@
                       <a:r>
                         <a:rPr lang="pt-BR" sz="1600" dirty="0">
                           <a:solidFill>
-                            <a:schemeClr val="bg1">
-                              <a:lumMod val="50000"/>
-                              <a:lumOff val="50000"/>
-                            </a:schemeClr>
+                            <a:schemeClr val="tx1"/>
                           </a:solidFill>
                           <a:latin typeface="Consolas" panose="020B0609020204030204" pitchFamily="49" charset="0"/>
                           <a:sym typeface="Wingdings 3" panose="05040102010807070707" pitchFamily="18" charset="2"/>
@@ -13307,10 +14412,7 @@
                       </a:r>
                       <a:endParaRPr lang="pt-BR" sz="1600" dirty="0">
                         <a:solidFill>
-                          <a:schemeClr val="bg1">
-                            <a:lumMod val="50000"/>
-                            <a:lumOff val="50000"/>
-                          </a:schemeClr>
+                          <a:schemeClr val="tx1"/>
                         </a:solidFill>
                       </a:endParaRPr>
                     </a:p>
@@ -13448,10 +14550,7 @@
                       <a:r>
                         <a:rPr lang="pt-BR" sz="1600" dirty="0">
                           <a:solidFill>
-                            <a:schemeClr val="bg1">
-                              <a:lumMod val="50000"/>
-                              <a:lumOff val="50000"/>
-                            </a:schemeClr>
+                            <a:schemeClr val="tx1"/>
                           </a:solidFill>
                           <a:latin typeface="Consolas" panose="020B0609020204030204" pitchFamily="49" charset="0"/>
                         </a:rPr>
@@ -13459,10 +14558,7 @@
                       </a:r>
                       <a:endParaRPr lang="pt-BR" sz="1600" dirty="0">
                         <a:solidFill>
-                          <a:schemeClr val="bg1">
-                            <a:lumMod val="50000"/>
-                            <a:lumOff val="50000"/>
-                          </a:schemeClr>
+                          <a:schemeClr val="tx1"/>
                         </a:solidFill>
                       </a:endParaRPr>
                     </a:p>
@@ -13579,10 +14675,7 @@
                       <a:r>
                         <a:rPr lang="pt-BR" sz="1600" dirty="0">
                           <a:solidFill>
-                            <a:schemeClr val="bg1">
-                              <a:lumMod val="50000"/>
-                              <a:lumOff val="50000"/>
-                            </a:schemeClr>
+                            <a:schemeClr val="tx1"/>
                           </a:solidFill>
                           <a:latin typeface="Consolas" panose="020B0609020204030204" pitchFamily="49" charset="0"/>
                           <a:sym typeface="Wingdings 3" panose="05040102010807070707" pitchFamily="18" charset="2"/>
@@ -13591,10 +14684,7 @@
                       </a:r>
                       <a:endParaRPr lang="pt-BR" sz="1600" dirty="0">
                         <a:solidFill>
-                          <a:schemeClr val="bg1">
-                            <a:lumMod val="50000"/>
-                            <a:lumOff val="50000"/>
-                          </a:schemeClr>
+                          <a:schemeClr val="tx1"/>
                         </a:solidFill>
                       </a:endParaRPr>
                     </a:p>
@@ -13728,10 +14818,7 @@
                       <a:r>
                         <a:rPr lang="pt-BR" sz="1600" dirty="0">
                           <a:solidFill>
-                            <a:schemeClr val="bg1">
-                              <a:lumMod val="50000"/>
-                              <a:lumOff val="50000"/>
-                            </a:schemeClr>
+                            <a:schemeClr val="tx1"/>
                           </a:solidFill>
                           <a:latin typeface="Consolas" panose="020B0609020204030204" pitchFamily="49" charset="0"/>
                         </a:rPr>
@@ -13739,10 +14826,7 @@
                       </a:r>
                       <a:endParaRPr lang="pt-BR" sz="1600" dirty="0">
                         <a:solidFill>
-                          <a:schemeClr val="bg1">
-                            <a:lumMod val="50000"/>
-                            <a:lumOff val="50000"/>
-                          </a:schemeClr>
+                          <a:schemeClr val="tx1"/>
                         </a:solidFill>
                       </a:endParaRPr>
                     </a:p>
@@ -13884,7 +14968,7 @@
 </p:sld>
 </file>
 
-<file path=ppt/slides/slide5.xml><?xml version="1.0" encoding="utf-8"?>
+<file path=ppt/slides/slide6.xml><?xml version="1.0" encoding="utf-8"?>
 <p:sld xmlns:a="http://schemas.openxmlformats.org/drawingml/2006/main" xmlns:r="http://schemas.openxmlformats.org/officeDocument/2006/relationships" xmlns:p="http://schemas.openxmlformats.org/presentationml/2006/main">
   <p:cSld>
     <p:spTree>
@@ -14209,7 +15293,7 @@
 </p:sld>
 </file>
 
-<file path=ppt/slides/slide6.xml><?xml version="1.0" encoding="utf-8"?>
+<file path=ppt/slides/slide7.xml><?xml version="1.0" encoding="utf-8"?>
 <p:sld xmlns:a="http://schemas.openxmlformats.org/drawingml/2006/main" xmlns:r="http://schemas.openxmlformats.org/officeDocument/2006/relationships" xmlns:p="http://schemas.openxmlformats.org/presentationml/2006/main">
   <p:cSld>
     <p:spTree>
@@ -14783,7 +15867,7 @@
 </p:sld>
 </file>
 
-<file path=ppt/slides/slide7.xml><?xml version="1.0" encoding="utf-8"?>
+<file path=ppt/slides/slide8.xml><?xml version="1.0" encoding="utf-8"?>
 <p:sld xmlns:a="http://schemas.openxmlformats.org/drawingml/2006/main" xmlns:r="http://schemas.openxmlformats.org/officeDocument/2006/relationships" xmlns:p="http://schemas.openxmlformats.org/presentationml/2006/main">
   <p:cSld>
     <p:spTree>
@@ -15505,7 +16589,7 @@
 </p:sld>
 </file>
 
-<file path=ppt/slides/slide8.xml><?xml version="1.0" encoding="utf-8"?>
+<file path=ppt/slides/slide9.xml><?xml version="1.0" encoding="utf-8"?>
 <p:sld xmlns:a="http://schemas.openxmlformats.org/drawingml/2006/main" xmlns:r="http://schemas.openxmlformats.org/officeDocument/2006/relationships" xmlns:p="http://schemas.openxmlformats.org/presentationml/2006/main">
   <p:cSld>
     <p:spTree>
@@ -15809,575 +16893,6 @@
     <p:extLst>
       <p:ext uri="{BB962C8B-B14F-4D97-AF65-F5344CB8AC3E}">
         <p14:creationId xmlns:p14="http://schemas.microsoft.com/office/powerpoint/2010/main" val="3559658483"/>
-      </p:ext>
-    </p:extLst>
-  </p:cSld>
-  <p:clrMapOvr>
-    <a:masterClrMapping/>
-  </p:clrMapOvr>
-  <p:transition spd="med">
-    <p:pull/>
-  </p:transition>
-</p:sld>
-</file>
-
-<file path=ppt/slides/slide9.xml><?xml version="1.0" encoding="utf-8"?>
-<p:sld xmlns:a="http://schemas.openxmlformats.org/drawingml/2006/main" xmlns:r="http://schemas.openxmlformats.org/officeDocument/2006/relationships" xmlns:p="http://schemas.openxmlformats.org/presentationml/2006/main">
-  <p:cSld>
-    <p:spTree>
-      <p:nvGrpSpPr>
-        <p:cNvPr id="1" name=""/>
-        <p:cNvGrpSpPr/>
-        <p:nvPr/>
-      </p:nvGrpSpPr>
-      <p:grpSpPr>
-        <a:xfrm>
-          <a:off x="0" y="0"/>
-          <a:ext cx="0" cy="0"/>
-          <a:chOff x="0" y="0"/>
-          <a:chExt cx="0" cy="0"/>
-        </a:xfrm>
-      </p:grpSpPr>
-      <p:sp>
-        <p:nvSpPr>
-          <p:cNvPr id="2" name="Título 1">
-            <a:extLst>
-              <a:ext uri="{FF2B5EF4-FFF2-40B4-BE49-F238E27FC236}">
-                <a16:creationId xmlns:a16="http://schemas.microsoft.com/office/drawing/2014/main" id="{29E8CF7D-5F16-43CF-AA0E-2FDEDB44D848}"/>
-              </a:ext>
-            </a:extLst>
-          </p:cNvPr>
-          <p:cNvSpPr>
-            <a:spLocks noGrp="1"/>
-          </p:cNvSpPr>
-          <p:nvPr>
-            <p:ph type="title"/>
-          </p:nvPr>
-        </p:nvSpPr>
-        <p:spPr/>
-        <p:txBody>
-          <a:bodyPr/>
-          <a:lstStyle/>
-          <a:p>
-            <a:r>
-              <a:rPr lang="pt-BR" dirty="0"/>
-              <a:t>Estrutura do Programa</a:t>
-            </a:r>
-          </a:p>
-        </p:txBody>
-      </p:sp>
-      <p:sp>
-        <p:nvSpPr>
-          <p:cNvPr id="3" name="Espaço Reservado para Conteúdo 2">
-            <a:extLst>
-              <a:ext uri="{FF2B5EF4-FFF2-40B4-BE49-F238E27FC236}">
-                <a16:creationId xmlns:a16="http://schemas.microsoft.com/office/drawing/2014/main" id="{1E85AC70-2093-4269-AFD6-9BA76595AFF9}"/>
-              </a:ext>
-            </a:extLst>
-          </p:cNvPr>
-          <p:cNvSpPr>
-            <a:spLocks noGrp="1"/>
-          </p:cNvSpPr>
-          <p:nvPr>
-            <p:ph idx="1"/>
-          </p:nvPr>
-        </p:nvSpPr>
-        <p:spPr/>
-        <p:txBody>
-          <a:bodyPr/>
-          <a:lstStyle/>
-          <a:p>
-            <a:r>
-              <a:rPr lang="pt-BR" dirty="0"/>
-              <a:t>Exemplo de </a:t>
-            </a:r>
-            <a:r>
-              <a:rPr lang="pt-BR" dirty="0">
-                <a:solidFill>
-                  <a:schemeClr val="accent1">
-                    <a:lumMod val="75000"/>
-                  </a:schemeClr>
-                </a:solidFill>
-              </a:rPr>
-              <a:t>rotinas de suporte</a:t>
-            </a:r>
-            <a:r>
-              <a:rPr lang="pt-BR" dirty="0"/>
-              <a:t>:</a:t>
-            </a:r>
-          </a:p>
-        </p:txBody>
-      </p:sp>
-      <p:sp>
-        <p:nvSpPr>
-          <p:cNvPr id="4" name="CaixaDeTexto 3">
-            <a:extLst>
-              <a:ext uri="{FF2B5EF4-FFF2-40B4-BE49-F238E27FC236}">
-                <a16:creationId xmlns:a16="http://schemas.microsoft.com/office/drawing/2014/main" id="{F29407CB-FE7F-4278-8144-EAFBFF5F84F1}"/>
-              </a:ext>
-            </a:extLst>
-          </p:cNvPr>
-          <p:cNvSpPr txBox="1"/>
-          <p:nvPr/>
-        </p:nvSpPr>
-        <p:spPr>
-          <a:xfrm>
-            <a:off x="1197868" y="2431971"/>
-            <a:ext cx="8856984" cy="4031873"/>
-          </a:xfrm>
-          <a:prstGeom prst="rect">
-            <a:avLst/>
-          </a:prstGeom>
-          <a:noFill/>
-        </p:spPr>
-        <p:txBody>
-          <a:bodyPr wrap="square" rtlCol="0">
-            <a:spAutoFit/>
-          </a:bodyPr>
-          <a:lstStyle/>
-          <a:p>
-            <a:r>
-              <a:rPr lang="pt-BR" sz="1600" dirty="0">
-                <a:solidFill>
-                  <a:schemeClr val="accent3"/>
-                </a:solidFill>
-                <a:latin typeface="Consolas" panose="020B0609020204030204" pitchFamily="49" charset="0"/>
-              </a:rPr>
-              <a:t>%%</a:t>
-            </a:r>
-            <a:endParaRPr lang="pt-BR" sz="1600" dirty="0">
-              <a:ln>
-                <a:solidFill>
-                  <a:schemeClr val="accent2">
-                    <a:lumMod val="75000"/>
-                  </a:schemeClr>
-                </a:solidFill>
-              </a:ln>
-              <a:solidFill>
-                <a:schemeClr val="accent3"/>
-              </a:solidFill>
-              <a:latin typeface="Consolas" panose="020B0609020204030204" pitchFamily="49" charset="0"/>
-            </a:endParaRPr>
-          </a:p>
-          <a:p>
-            <a:endParaRPr lang="pt-BR" sz="1600" dirty="0">
-              <a:ln>
-                <a:solidFill>
-                  <a:schemeClr val="accent2">
-                    <a:lumMod val="75000"/>
-                  </a:schemeClr>
-                </a:solidFill>
-              </a:ln>
-              <a:solidFill>
-                <a:schemeClr val="accent2">
-                  <a:lumMod val="20000"/>
-                  <a:lumOff val="80000"/>
-                </a:schemeClr>
-              </a:solidFill>
-              <a:latin typeface="Consolas" panose="020B0609020204030204" pitchFamily="49" charset="0"/>
-            </a:endParaRPr>
-          </a:p>
-          <a:p>
-            <a:r>
-              <a:rPr lang="pt-BR" sz="1600" dirty="0" err="1">
-                <a:solidFill>
-                  <a:schemeClr val="bg2">
-                    <a:lumMod val="50000"/>
-                    <a:lumOff val="50000"/>
-                  </a:schemeClr>
-                </a:solidFill>
-                <a:latin typeface="Consolas" panose="020B0609020204030204" pitchFamily="49" charset="0"/>
-              </a:rPr>
-              <a:t>int</a:t>
-            </a:r>
-            <a:r>
-              <a:rPr lang="pt-BR" sz="1600" dirty="0">
-                <a:latin typeface="Consolas" panose="020B0609020204030204" pitchFamily="49" charset="0"/>
-              </a:rPr>
-              <a:t> yylex() {        </a:t>
-            </a:r>
-            <a:r>
-              <a:rPr lang="pt-BR" sz="1600" dirty="0">
-                <a:solidFill>
-                  <a:schemeClr val="bg1">
-                    <a:lumMod val="65000"/>
-                    <a:lumOff val="35000"/>
-                  </a:schemeClr>
-                </a:solidFill>
-                <a:latin typeface="Consolas" panose="020B0609020204030204" pitchFamily="49" charset="0"/>
-              </a:rPr>
-              <a:t>// implementação manual do analisador léxico</a:t>
-            </a:r>
-            <a:endParaRPr lang="pt-BR" sz="1600" dirty="0">
-              <a:latin typeface="Consolas" panose="020B0609020204030204" pitchFamily="49" charset="0"/>
-            </a:endParaRPr>
-          </a:p>
-          <a:p>
-            <a:r>
-              <a:rPr lang="pt-BR" sz="1600" dirty="0">
-                <a:solidFill>
-                  <a:schemeClr val="accent3">
-                    <a:lumMod val="75000"/>
-                  </a:schemeClr>
-                </a:solidFill>
-                <a:latin typeface="Consolas" panose="020B0609020204030204" pitchFamily="49" charset="0"/>
-              </a:rPr>
-              <a:t>    </a:t>
-            </a:r>
-            <a:r>
-              <a:rPr lang="pt-BR" sz="1600" dirty="0">
-                <a:solidFill>
-                  <a:schemeClr val="bg2">
-                    <a:lumMod val="50000"/>
-                    <a:lumOff val="50000"/>
-                  </a:schemeClr>
-                </a:solidFill>
-                <a:latin typeface="Consolas" panose="020B0609020204030204" pitchFamily="49" charset="0"/>
-              </a:rPr>
-              <a:t>char</a:t>
-            </a:r>
-            <a:r>
-              <a:rPr lang="pt-BR" sz="1600" dirty="0">
-                <a:latin typeface="Consolas" panose="020B0609020204030204" pitchFamily="49" charset="0"/>
-              </a:rPr>
-              <a:t> </a:t>
-            </a:r>
-            <a:r>
-              <a:rPr lang="pt-BR" sz="1600" dirty="0" err="1">
-                <a:latin typeface="Consolas" panose="020B0609020204030204" pitchFamily="49" charset="0"/>
-              </a:rPr>
-              <a:t>ch</a:t>
-            </a:r>
-            <a:r>
-              <a:rPr lang="pt-BR" sz="1600" dirty="0">
-                <a:latin typeface="Consolas" panose="020B0609020204030204" pitchFamily="49" charset="0"/>
-              </a:rPr>
-              <a:t>;</a:t>
-            </a:r>
-          </a:p>
-          <a:p>
-            <a:r>
-              <a:rPr lang="pt-BR" sz="1600" dirty="0">
-                <a:latin typeface="Consolas" panose="020B0609020204030204" pitchFamily="49" charset="0"/>
-              </a:rPr>
-              <a:t>    </a:t>
-            </a:r>
-            <a:r>
-              <a:rPr lang="pt-BR" sz="1600" dirty="0" err="1">
-                <a:latin typeface="Consolas" panose="020B0609020204030204" pitchFamily="49" charset="0"/>
-              </a:rPr>
-              <a:t>ch</a:t>
-            </a:r>
-            <a:r>
-              <a:rPr lang="pt-BR" sz="1600" dirty="0">
-                <a:latin typeface="Consolas" panose="020B0609020204030204" pitchFamily="49" charset="0"/>
-              </a:rPr>
-              <a:t> = </a:t>
-            </a:r>
-            <a:r>
-              <a:rPr lang="pt-BR" sz="1600" dirty="0" err="1">
-                <a:latin typeface="Consolas" panose="020B0609020204030204" pitchFamily="49" charset="0"/>
-              </a:rPr>
-              <a:t>cin.get</a:t>
-            </a:r>
-            <a:r>
-              <a:rPr lang="pt-BR" sz="1600" dirty="0">
-                <a:latin typeface="Consolas" panose="020B0609020204030204" pitchFamily="49" charset="0"/>
-              </a:rPr>
-              <a:t>();</a:t>
-            </a:r>
-          </a:p>
-          <a:p>
-            <a:r>
-              <a:rPr lang="pt-BR" sz="1600" dirty="0">
-                <a:solidFill>
-                  <a:schemeClr val="accent3">
-                    <a:lumMod val="75000"/>
-                  </a:schemeClr>
-                </a:solidFill>
-                <a:latin typeface="Consolas" panose="020B0609020204030204" pitchFamily="49" charset="0"/>
-              </a:rPr>
-              <a:t>    </a:t>
-            </a:r>
-            <a:r>
-              <a:rPr lang="pt-BR" sz="1600" dirty="0" err="1">
-                <a:solidFill>
-                  <a:schemeClr val="bg2">
-                    <a:lumMod val="50000"/>
-                    <a:lumOff val="50000"/>
-                  </a:schemeClr>
-                </a:solidFill>
-                <a:latin typeface="Consolas" panose="020B0609020204030204" pitchFamily="49" charset="0"/>
-              </a:rPr>
-              <a:t>if</a:t>
-            </a:r>
-            <a:r>
-              <a:rPr lang="pt-BR" sz="1600" dirty="0">
-                <a:latin typeface="Consolas" panose="020B0609020204030204" pitchFamily="49" charset="0"/>
-              </a:rPr>
-              <a:t> (</a:t>
-            </a:r>
-            <a:r>
-              <a:rPr lang="pt-BR" sz="1600" dirty="0" err="1">
-                <a:solidFill>
-                  <a:schemeClr val="bg2">
-                    <a:lumMod val="25000"/>
-                    <a:lumOff val="75000"/>
-                  </a:schemeClr>
-                </a:solidFill>
-                <a:latin typeface="Consolas" panose="020B0609020204030204" pitchFamily="49" charset="0"/>
-              </a:rPr>
-              <a:t>isdigit</a:t>
-            </a:r>
-            <a:r>
-              <a:rPr lang="pt-BR" sz="1600" dirty="0">
-                <a:latin typeface="Consolas" panose="020B0609020204030204" pitchFamily="49" charset="0"/>
-              </a:rPr>
-              <a:t>(</a:t>
-            </a:r>
-            <a:r>
-              <a:rPr lang="pt-BR" sz="1600" dirty="0" err="1">
-                <a:latin typeface="Consolas" panose="020B0609020204030204" pitchFamily="49" charset="0"/>
-              </a:rPr>
-              <a:t>ch</a:t>
-            </a:r>
-            <a:r>
-              <a:rPr lang="pt-BR" sz="1600" dirty="0">
-                <a:latin typeface="Consolas" panose="020B0609020204030204" pitchFamily="49" charset="0"/>
-              </a:rPr>
-              <a:t>)) {</a:t>
-            </a:r>
-          </a:p>
-          <a:p>
-            <a:r>
-              <a:rPr lang="pt-BR" sz="1600" dirty="0">
-                <a:latin typeface="Consolas" panose="020B0609020204030204" pitchFamily="49" charset="0"/>
-              </a:rPr>
-              <a:t>      </a:t>
-            </a:r>
-            <a:r>
-              <a:rPr lang="pt-BR" sz="1600" dirty="0" err="1">
-                <a:latin typeface="Consolas" panose="020B0609020204030204" pitchFamily="49" charset="0"/>
-              </a:rPr>
-              <a:t>yylval</a:t>
-            </a:r>
-            <a:r>
-              <a:rPr lang="pt-BR" sz="1600" dirty="0">
-                <a:latin typeface="Consolas" panose="020B0609020204030204" pitchFamily="49" charset="0"/>
-              </a:rPr>
-              <a:t> = </a:t>
-            </a:r>
-            <a:r>
-              <a:rPr lang="pt-BR" sz="1600" dirty="0" err="1">
-                <a:latin typeface="Consolas" panose="020B0609020204030204" pitchFamily="49" charset="0"/>
-              </a:rPr>
-              <a:t>ch</a:t>
-            </a:r>
-            <a:r>
-              <a:rPr lang="pt-BR" sz="1600" dirty="0">
-                <a:latin typeface="Consolas" panose="020B0609020204030204" pitchFamily="49" charset="0"/>
-              </a:rPr>
-              <a:t> - </a:t>
-            </a:r>
-            <a:r>
-              <a:rPr lang="pt-BR" sz="1600" dirty="0">
-                <a:solidFill>
-                  <a:srgbClr val="FF7575"/>
-                </a:solidFill>
-                <a:latin typeface="Consolas" panose="020B0609020204030204" pitchFamily="49" charset="0"/>
-              </a:rPr>
-              <a:t>'0'</a:t>
-            </a:r>
-            <a:r>
-              <a:rPr lang="pt-BR" sz="1600" dirty="0">
-                <a:latin typeface="Consolas" panose="020B0609020204030204" pitchFamily="49" charset="0"/>
-              </a:rPr>
-              <a:t>;</a:t>
-            </a:r>
-          </a:p>
-          <a:p>
-            <a:r>
-              <a:rPr lang="pt-BR" sz="1600" dirty="0">
-                <a:latin typeface="Consolas" panose="020B0609020204030204" pitchFamily="49" charset="0"/>
-              </a:rPr>
-              <a:t>      </a:t>
-            </a:r>
-            <a:r>
-              <a:rPr lang="pt-BR" sz="1600" dirty="0">
-                <a:solidFill>
-                  <a:schemeClr val="bg2">
-                    <a:lumMod val="50000"/>
-                    <a:lumOff val="50000"/>
-                  </a:schemeClr>
-                </a:solidFill>
-                <a:latin typeface="Consolas" panose="020B0609020204030204" pitchFamily="49" charset="0"/>
-              </a:rPr>
-              <a:t>return</a:t>
-            </a:r>
-            <a:r>
-              <a:rPr lang="pt-BR" sz="1600" dirty="0">
-                <a:latin typeface="Consolas" panose="020B0609020204030204" pitchFamily="49" charset="0"/>
-              </a:rPr>
-              <a:t> </a:t>
-            </a:r>
-            <a:r>
-              <a:rPr lang="pt-BR" sz="1600" dirty="0">
-                <a:solidFill>
-                  <a:srgbClr val="FF7575"/>
-                </a:solidFill>
-                <a:latin typeface="Consolas" panose="020B0609020204030204" pitchFamily="49" charset="0"/>
-              </a:rPr>
-              <a:t>DIGIT</a:t>
-            </a:r>
-            <a:r>
-              <a:rPr lang="pt-BR" sz="1600" dirty="0">
-                <a:latin typeface="Consolas" panose="020B0609020204030204" pitchFamily="49" charset="0"/>
-              </a:rPr>
-              <a:t>;</a:t>
-            </a:r>
-          </a:p>
-          <a:p>
-            <a:r>
-              <a:rPr lang="pt-BR" sz="1600" dirty="0">
-                <a:latin typeface="Consolas" panose="020B0609020204030204" pitchFamily="49" charset="0"/>
-              </a:rPr>
-              <a:t>    }</a:t>
-            </a:r>
-          </a:p>
-          <a:p>
-            <a:r>
-              <a:rPr lang="pt-BR" sz="1600" dirty="0">
-                <a:latin typeface="Consolas" panose="020B0609020204030204" pitchFamily="49" charset="0"/>
-              </a:rPr>
-              <a:t>    </a:t>
-            </a:r>
-            <a:r>
-              <a:rPr lang="pt-BR" sz="1600" dirty="0">
-                <a:solidFill>
-                  <a:schemeClr val="bg2">
-                    <a:lumMod val="50000"/>
-                    <a:lumOff val="50000"/>
-                  </a:schemeClr>
-                </a:solidFill>
-                <a:latin typeface="Consolas" panose="020B0609020204030204" pitchFamily="49" charset="0"/>
-              </a:rPr>
-              <a:t>return</a:t>
-            </a:r>
-            <a:r>
-              <a:rPr lang="pt-BR" sz="1600" dirty="0">
-                <a:latin typeface="Consolas" panose="020B0609020204030204" pitchFamily="49" charset="0"/>
-              </a:rPr>
-              <a:t> </a:t>
-            </a:r>
-            <a:r>
-              <a:rPr lang="pt-BR" sz="1600" dirty="0" err="1">
-                <a:latin typeface="Consolas" panose="020B0609020204030204" pitchFamily="49" charset="0"/>
-              </a:rPr>
-              <a:t>ch</a:t>
-            </a:r>
-            <a:r>
-              <a:rPr lang="pt-BR" sz="1600" dirty="0">
-                <a:latin typeface="Consolas" panose="020B0609020204030204" pitchFamily="49" charset="0"/>
-              </a:rPr>
-              <a:t>;</a:t>
-            </a:r>
-          </a:p>
-          <a:p>
-            <a:r>
-              <a:rPr lang="pt-BR" sz="1600" dirty="0">
-                <a:latin typeface="Consolas" panose="020B0609020204030204" pitchFamily="49" charset="0"/>
-              </a:rPr>
-              <a:t>}</a:t>
-            </a:r>
-          </a:p>
-          <a:p>
-            <a:endParaRPr lang="pt-BR" sz="1600" dirty="0">
-              <a:latin typeface="Consolas" panose="020B0609020204030204" pitchFamily="49" charset="0"/>
-            </a:endParaRPr>
-          </a:p>
-          <a:p>
-            <a:r>
-              <a:rPr lang="pt-BR" sz="1600" dirty="0" err="1">
-                <a:solidFill>
-                  <a:schemeClr val="bg2">
-                    <a:lumMod val="50000"/>
-                    <a:lumOff val="50000"/>
-                  </a:schemeClr>
-                </a:solidFill>
-                <a:latin typeface="Consolas" panose="020B0609020204030204" pitchFamily="49" charset="0"/>
-              </a:rPr>
-              <a:t>int</a:t>
-            </a:r>
-            <a:r>
-              <a:rPr lang="pt-BR" sz="1600" dirty="0">
-                <a:latin typeface="Consolas" panose="020B0609020204030204" pitchFamily="49" charset="0"/>
-              </a:rPr>
-              <a:t> main() {         </a:t>
-            </a:r>
-            <a:r>
-              <a:rPr lang="pt-BR" sz="1600" dirty="0">
-                <a:solidFill>
-                  <a:schemeClr val="bg1">
-                    <a:lumMod val="65000"/>
-                    <a:lumOff val="35000"/>
-                  </a:schemeClr>
-                </a:solidFill>
-                <a:latin typeface="Consolas" panose="020B0609020204030204" pitchFamily="49" charset="0"/>
-              </a:rPr>
-              <a:t>// função principal chama o analisador sintático</a:t>
-            </a:r>
-            <a:endParaRPr lang="pt-BR" sz="1600" dirty="0">
-              <a:latin typeface="Consolas" panose="020B0609020204030204" pitchFamily="49" charset="0"/>
-            </a:endParaRPr>
-          </a:p>
-          <a:p>
-            <a:r>
-              <a:rPr lang="pt-BR" sz="1600" dirty="0">
-                <a:latin typeface="Consolas" panose="020B0609020204030204" pitchFamily="49" charset="0"/>
-              </a:rPr>
-              <a:t>    </a:t>
-            </a:r>
-            <a:r>
-              <a:rPr lang="pt-BR" sz="1600" dirty="0" err="1">
-                <a:solidFill>
-                  <a:schemeClr val="bg2">
-                    <a:lumMod val="25000"/>
-                    <a:lumOff val="75000"/>
-                  </a:schemeClr>
-                </a:solidFill>
-                <a:latin typeface="Consolas" panose="020B0609020204030204" pitchFamily="49" charset="0"/>
-              </a:rPr>
-              <a:t>yyparse</a:t>
-            </a:r>
-            <a:r>
-              <a:rPr lang="pt-BR" sz="1600" dirty="0">
-                <a:latin typeface="Consolas" panose="020B0609020204030204" pitchFamily="49" charset="0"/>
-              </a:rPr>
-              <a:t>();</a:t>
-            </a:r>
-          </a:p>
-          <a:p>
-            <a:r>
-              <a:rPr lang="pt-BR" sz="1600" dirty="0">
-                <a:latin typeface="Consolas" panose="020B0609020204030204" pitchFamily="49" charset="0"/>
-              </a:rPr>
-              <a:t>}</a:t>
-            </a:r>
-          </a:p>
-          <a:p>
-            <a:r>
-              <a:rPr lang="pt-BR" sz="1600" dirty="0">
-                <a:latin typeface="Consolas" panose="020B0609020204030204" pitchFamily="49" charset="0"/>
-              </a:rPr>
-              <a:t>                        </a:t>
-            </a:r>
-          </a:p>
-        </p:txBody>
-      </p:sp>
-    </p:spTree>
-    <p:extLst>
-      <p:ext uri="{BB962C8B-B14F-4D97-AF65-F5344CB8AC3E}">
-        <p14:creationId xmlns:p14="http://schemas.microsoft.com/office/powerpoint/2010/main" val="3153413767"/>
       </p:ext>
     </p:extLst>
   </p:cSld>
@@ -17175,14 +17690,12 @@
 </file>
 
 <file path=customXml/item1.xml><?xml version="1.0" encoding="utf-8"?>
-<p:properties xmlns:p="http://schemas.microsoft.com/office/2006/metadata/properties" xmlns:xsi="http://www.w3.org/2001/XMLSchema-instance" xmlns:pc="http://schemas.microsoft.com/office/infopath/2007/PartnerControls">
-  <documentManagement>
-    <VSO_x0020_item_x0020_id xmlns="40262f94-9f35-4ac3-9a90-690165a166b7" xsi:nil="true"/>
-    <Assetid_x0020_ xmlns="40262f94-9f35-4ac3-9a90-690165a166b7" xsi:nil="true"/>
-    <Item_x0020_Details xmlns="40262f94-9f35-4ac3-9a90-690165a166b7" xsi:nil="true"/>
-    <Template_x0020_details xmlns="40262f94-9f35-4ac3-9a90-690165a166b7" xsi:nil="true"/>
-  </documentManagement>
-</p:properties>
+<?mso-contentType ?>
+<FormTemplates xmlns="http://schemas.microsoft.com/sharepoint/v3/contenttype/forms">
+  <Display>DocumentLibraryForm</Display>
+  <Edit>DocumentLibraryForm</Edit>
+  <New>DocumentLibraryForm</New>
+</FormTemplates>
 </file>
 
 <file path=customXml/item2.xml><?xml version="1.0" encoding="utf-8"?>
@@ -17367,20 +17880,20 @@
 </file>
 
 <file path=customXml/item3.xml><?xml version="1.0" encoding="utf-8"?>
-<?mso-contentType ?>
-<FormTemplates xmlns="http://schemas.microsoft.com/sharepoint/v3/contenttype/forms">
-  <Display>DocumentLibraryForm</Display>
-  <Edit>DocumentLibraryForm</Edit>
-  <New>DocumentLibraryForm</New>
-</FormTemplates>
+<p:properties xmlns:p="http://schemas.microsoft.com/office/2006/metadata/properties" xmlns:xsi="http://www.w3.org/2001/XMLSchema-instance" xmlns:pc="http://schemas.microsoft.com/office/infopath/2007/PartnerControls">
+  <documentManagement>
+    <VSO_x0020_item_x0020_id xmlns="40262f94-9f35-4ac3-9a90-690165a166b7" xsi:nil="true"/>
+    <Assetid_x0020_ xmlns="40262f94-9f35-4ac3-9a90-690165a166b7" xsi:nil="true"/>
+    <Item_x0020_Details xmlns="40262f94-9f35-4ac3-9a90-690165a166b7" xsi:nil="true"/>
+    <Template_x0020_details xmlns="40262f94-9f35-4ac3-9a90-690165a166b7" xsi:nil="true"/>
+  </documentManagement>
+</p:properties>
 </file>
 
 <file path=customXml/itemProps1.xml><?xml version="1.0" encoding="utf-8"?>
-<ds:datastoreItem xmlns:ds="http://schemas.openxmlformats.org/officeDocument/2006/customXml" ds:itemID="{045C5BB1-9D2C-412A-AE6C-0FC75190A4CE}">
+<ds:datastoreItem xmlns:ds="http://schemas.openxmlformats.org/officeDocument/2006/customXml" ds:itemID="{2B6DE00F-F2BC-4082-AB87-D0D78777DE1E}">
   <ds:schemaRefs>
-    <ds:schemaRef ds:uri="http://schemas.microsoft.com/office/2006/metadata/properties"/>
-    <ds:schemaRef ds:uri="http://schemas.microsoft.com/office/infopath/2007/PartnerControls"/>
-    <ds:schemaRef ds:uri="40262f94-9f35-4ac3-9a90-690165a166b7"/>
+    <ds:schemaRef ds:uri="http://schemas.microsoft.com/sharepoint/v3/contenttype/forms"/>
   </ds:schemaRefs>
 </ds:datastoreItem>
 </file>
@@ -17405,9 +17918,11 @@
 </file>
 
 <file path=customXml/itemProps3.xml><?xml version="1.0" encoding="utf-8"?>
-<ds:datastoreItem xmlns:ds="http://schemas.openxmlformats.org/officeDocument/2006/customXml" ds:itemID="{2B6DE00F-F2BC-4082-AB87-D0D78777DE1E}">
+<ds:datastoreItem xmlns:ds="http://schemas.openxmlformats.org/officeDocument/2006/customXml" ds:itemID="{045C5BB1-9D2C-412A-AE6C-0FC75190A4CE}">
   <ds:schemaRefs>
-    <ds:schemaRef ds:uri="http://schemas.microsoft.com/sharepoint/v3/contenttype/forms"/>
+    <ds:schemaRef ds:uri="http://schemas.microsoft.com/office/2006/metadata/properties"/>
+    <ds:schemaRef ds:uri="http://schemas.microsoft.com/office/infopath/2007/PartnerControls"/>
+    <ds:schemaRef ds:uri="40262f94-9f35-4ac3-9a90-690165a166b7"/>
   </ds:schemaRefs>
 </ds:datastoreItem>
 </file>